--- a/HTML + CSS 웹 사이트.pptx
+++ b/HTML + CSS 웹 사이트.pptx
@@ -115,6 +115,11 @@
       </a:defRPr>
     </a:lvl9pPr>
   </p:defaultTextStyle>
+  <p:extLst>
+    <p:ext uri="{EFAFB233-063F-42B5-8137-9DF3F51BA10A}">
+      <p15:sldGuideLst xmlns:p15="http://schemas.microsoft.com/office/powerpoint/2012/main"/>
+    </p:ext>
+  </p:extLst>
 </p:presentation>
 </file>
 
@@ -281,7 +286,7 @@
           <a:p>
             <a:fld id="{03732D7B-98D8-459F-9727-26E7A6F1EA86}" type="datetimeFigureOut">
               <a:rPr lang="ko-KR" altLang="en-US" smtClean="0"/>
-              <a:t>2023-07-25</a:t>
+              <a:t>2023-07-26</a:t>
             </a:fld>
             <a:endParaRPr lang="ko-KR" altLang="en-US"/>
           </a:p>
@@ -451,7 +456,7 @@
           <a:p>
             <a:fld id="{03732D7B-98D8-459F-9727-26E7A6F1EA86}" type="datetimeFigureOut">
               <a:rPr lang="ko-KR" altLang="en-US" smtClean="0"/>
-              <a:t>2023-07-25</a:t>
+              <a:t>2023-07-26</a:t>
             </a:fld>
             <a:endParaRPr lang="ko-KR" altLang="en-US"/>
           </a:p>
@@ -631,7 +636,7 @@
           <a:p>
             <a:fld id="{03732D7B-98D8-459F-9727-26E7A6F1EA86}" type="datetimeFigureOut">
               <a:rPr lang="ko-KR" altLang="en-US" smtClean="0"/>
-              <a:t>2023-07-25</a:t>
+              <a:t>2023-07-26</a:t>
             </a:fld>
             <a:endParaRPr lang="ko-KR" altLang="en-US"/>
           </a:p>
@@ -801,7 +806,7 @@
           <a:p>
             <a:fld id="{03732D7B-98D8-459F-9727-26E7A6F1EA86}" type="datetimeFigureOut">
               <a:rPr lang="ko-KR" altLang="en-US" smtClean="0"/>
-              <a:t>2023-07-25</a:t>
+              <a:t>2023-07-26</a:t>
             </a:fld>
             <a:endParaRPr lang="ko-KR" altLang="en-US"/>
           </a:p>
@@ -1069,7 +1074,7 @@
           <a:p>
             <a:fld id="{03732D7B-98D8-459F-9727-26E7A6F1EA86}" type="datetimeFigureOut">
               <a:rPr lang="ko-KR" altLang="en-US" smtClean="0"/>
-              <a:t>2023-07-25</a:t>
+              <a:t>2023-07-26</a:t>
             </a:fld>
             <a:endParaRPr lang="ko-KR" altLang="en-US"/>
           </a:p>
@@ -1301,7 +1306,7 @@
           <a:p>
             <a:fld id="{03732D7B-98D8-459F-9727-26E7A6F1EA86}" type="datetimeFigureOut">
               <a:rPr lang="ko-KR" altLang="en-US" smtClean="0"/>
-              <a:t>2023-07-25</a:t>
+              <a:t>2023-07-26</a:t>
             </a:fld>
             <a:endParaRPr lang="ko-KR" altLang="en-US"/>
           </a:p>
@@ -1660,7 +1665,7 @@
           <a:p>
             <a:fld id="{03732D7B-98D8-459F-9727-26E7A6F1EA86}" type="datetimeFigureOut">
               <a:rPr lang="ko-KR" altLang="en-US" smtClean="0"/>
-              <a:t>2023-07-25</a:t>
+              <a:t>2023-07-26</a:t>
             </a:fld>
             <a:endParaRPr lang="ko-KR" altLang="en-US"/>
           </a:p>
@@ -1801,7 +1806,7 @@
           <a:p>
             <a:fld id="{03732D7B-98D8-459F-9727-26E7A6F1EA86}" type="datetimeFigureOut">
               <a:rPr lang="ko-KR" altLang="en-US" smtClean="0"/>
-              <a:t>2023-07-25</a:t>
+              <a:t>2023-07-26</a:t>
             </a:fld>
             <a:endParaRPr lang="ko-KR" altLang="en-US"/>
           </a:p>
@@ -1896,7 +1901,7 @@
           <a:p>
             <a:fld id="{03732D7B-98D8-459F-9727-26E7A6F1EA86}" type="datetimeFigureOut">
               <a:rPr lang="ko-KR" altLang="en-US" smtClean="0"/>
-              <a:t>2023-07-25</a:t>
+              <a:t>2023-07-26</a:t>
             </a:fld>
             <a:endParaRPr lang="ko-KR" altLang="en-US"/>
           </a:p>
@@ -2253,7 +2258,7 @@
           <a:p>
             <a:fld id="{03732D7B-98D8-459F-9727-26E7A6F1EA86}" type="datetimeFigureOut">
               <a:rPr lang="ko-KR" altLang="en-US" smtClean="0"/>
-              <a:t>2023-07-25</a:t>
+              <a:t>2023-07-26</a:t>
             </a:fld>
             <a:endParaRPr lang="ko-KR" altLang="en-US"/>
           </a:p>
@@ -2610,7 +2615,7 @@
           <a:p>
             <a:fld id="{03732D7B-98D8-459F-9727-26E7A6F1EA86}" type="datetimeFigureOut">
               <a:rPr lang="ko-KR" altLang="en-US" smtClean="0"/>
-              <a:t>2023-07-25</a:t>
+              <a:t>2023-07-26</a:t>
             </a:fld>
             <a:endParaRPr lang="ko-KR" altLang="en-US"/>
           </a:p>
@@ -2852,7 +2857,7 @@
           <a:p>
             <a:fld id="{03732D7B-98D8-459F-9727-26E7A6F1EA86}" type="datetimeFigureOut">
               <a:rPr lang="ko-KR" altLang="en-US" smtClean="0"/>
-              <a:t>2023-07-25</a:t>
+              <a:t>2023-07-26</a:t>
             </a:fld>
             <a:endParaRPr lang="ko-KR" altLang="en-US"/>
           </a:p>
@@ -6152,46 +6157,6 @@
             <a:r>
               <a:rPr lang="en-US" altLang="ko-KR" sz="1200" b="0" dirty="0">
                 <a:solidFill>
-                  <a:srgbClr val="D4D4D4"/>
-                </a:solidFill>
-                <a:effectLst/>
-                <a:latin typeface="Consolas" panose="020B0609020204030204" pitchFamily="49" charset="0"/>
-              </a:rPr>
-              <a:t> </a:t>
-            </a:r>
-            <a:r>
-              <a:rPr lang="en-US" altLang="ko-KR" sz="1200" b="0" dirty="0">
-                <a:solidFill>
-                  <a:srgbClr val="9CDCFE"/>
-                </a:solidFill>
-                <a:effectLst/>
-                <a:latin typeface="Consolas" panose="020B0609020204030204" pitchFamily="49" charset="0"/>
-              </a:rPr>
-              <a:t>style</a:t>
-            </a:r>
-            <a:r>
-              <a:rPr lang="en-US" altLang="ko-KR" sz="1200" b="0" dirty="0">
-                <a:solidFill>
-                  <a:srgbClr val="D4D4D4"/>
-                </a:solidFill>
-                <a:effectLst/>
-                <a:latin typeface="Consolas" panose="020B0609020204030204" pitchFamily="49" charset="0"/>
-              </a:rPr>
-              <a:t>=</a:t>
-            </a:r>
-            <a:r>
-              <a:rPr lang="en-US" altLang="ko-KR" sz="1200" b="0" dirty="0">
-                <a:solidFill>
-                  <a:srgbClr val="CE9178"/>
-                </a:solidFill>
-                <a:effectLst/>
-                <a:latin typeface="Consolas" panose="020B0609020204030204" pitchFamily="49" charset="0"/>
-              </a:rPr>
-              <a:t>"width: 20vh;"</a:t>
-            </a:r>
-            <a:r>
-              <a:rPr lang="en-US" altLang="ko-KR" sz="1200" b="0" dirty="0">
-                <a:solidFill>
                   <a:srgbClr val="808080"/>
                 </a:solidFill>
                 <a:effectLst/>
@@ -7116,7 +7081,7 @@
         <p:spPr>
           <a:xfrm>
             <a:off x="6096000" y="1673047"/>
-            <a:ext cx="6096000" cy="3046988"/>
+            <a:ext cx="6096000" cy="2862322"/>
           </a:xfrm>
           <a:prstGeom prst="rect">
             <a:avLst/>
@@ -7380,46 +7345,6 @@
                 <a:latin typeface="Consolas" panose="020B0609020204030204" pitchFamily="49" charset="0"/>
               </a:rPr>
               <a:t>"false"</a:t>
-            </a:r>
-            <a:r>
-              <a:rPr lang="en-US" altLang="ko-KR" sz="1200" b="0" dirty="0">
-                <a:solidFill>
-                  <a:srgbClr val="D4D4D4"/>
-                </a:solidFill>
-                <a:effectLst/>
-                <a:latin typeface="Consolas" panose="020B0609020204030204" pitchFamily="49" charset="0"/>
-              </a:rPr>
-              <a:t> </a:t>
-            </a:r>
-            <a:r>
-              <a:rPr lang="en-US" altLang="ko-KR" sz="1200" b="0" dirty="0">
-                <a:solidFill>
-                  <a:srgbClr val="569CD6"/>
-                </a:solidFill>
-                <a:effectLst/>
-                <a:latin typeface="Consolas" panose="020B0609020204030204" pitchFamily="49" charset="0"/>
-              </a:rPr>
-              <a:t>style</a:t>
-            </a:r>
-            <a:r>
-              <a:rPr lang="en-US" altLang="ko-KR" sz="1200" b="0" dirty="0">
-                <a:solidFill>
-                  <a:srgbClr val="D4D4D4"/>
-                </a:solidFill>
-                <a:effectLst/>
-                <a:latin typeface="Consolas" panose="020B0609020204030204" pitchFamily="49" charset="0"/>
-              </a:rPr>
-              <a:t>=</a:t>
-            </a:r>
-            <a:r>
-              <a:rPr lang="en-US" altLang="ko-KR" sz="1200" b="0" dirty="0">
-                <a:solidFill>
-                  <a:srgbClr val="CE9178"/>
-                </a:solidFill>
-                <a:effectLst/>
-                <a:latin typeface="Consolas" panose="020B0609020204030204" pitchFamily="49" charset="0"/>
-              </a:rPr>
-              <a:t>"font-size: 12pt;"</a:t>
             </a:r>
             <a:r>
               <a:rPr lang="en-US" altLang="ko-KR" sz="1200" b="0" dirty="0">
@@ -10422,46 +10347,6 @@
             <a:r>
               <a:rPr lang="en-US" altLang="ko-KR" sz="1200" b="0" dirty="0">
                 <a:solidFill>
-                  <a:srgbClr val="D4D4D4"/>
-                </a:solidFill>
-                <a:effectLst/>
-                <a:latin typeface="Consolas" panose="020B0609020204030204" pitchFamily="49" charset="0"/>
-              </a:rPr>
-              <a:t> </a:t>
-            </a:r>
-            <a:r>
-              <a:rPr lang="en-US" altLang="ko-KR" sz="1200" b="0" dirty="0">
-                <a:solidFill>
-                  <a:srgbClr val="9CDCFE"/>
-                </a:solidFill>
-                <a:effectLst/>
-                <a:latin typeface="Consolas" panose="020B0609020204030204" pitchFamily="49" charset="0"/>
-              </a:rPr>
-              <a:t>style</a:t>
-            </a:r>
-            <a:r>
-              <a:rPr lang="en-US" altLang="ko-KR" sz="1200" b="0" dirty="0">
-                <a:solidFill>
-                  <a:srgbClr val="D4D4D4"/>
-                </a:solidFill>
-                <a:effectLst/>
-                <a:latin typeface="Consolas" panose="020B0609020204030204" pitchFamily="49" charset="0"/>
-              </a:rPr>
-              <a:t>=</a:t>
-            </a:r>
-            <a:r>
-              <a:rPr lang="en-US" altLang="ko-KR" sz="1200" b="0" dirty="0">
-                <a:solidFill>
-                  <a:srgbClr val="CE9178"/>
-                </a:solidFill>
-                <a:effectLst/>
-                <a:latin typeface="Consolas" panose="020B0609020204030204" pitchFamily="49" charset="0"/>
-              </a:rPr>
-              <a:t>"padding-top: 100px;"</a:t>
-            </a:r>
-            <a:r>
-              <a:rPr lang="en-US" altLang="ko-KR" sz="1200" b="0" dirty="0">
-                <a:solidFill>
                   <a:srgbClr val="808080"/>
                 </a:solidFill>
                 <a:effectLst/>
@@ -13682,7 +13567,7 @@
         </p:nvSpPr>
         <p:spPr>
           <a:xfrm>
-            <a:off x="6096000" y="1567541"/>
+            <a:off x="6096000" y="1576250"/>
             <a:ext cx="6183087" cy="5339923"/>
           </a:xfrm>
           <a:prstGeom prst="rect">
@@ -13704,16 +13589,280 @@
                 <a:effectLst/>
                 <a:latin typeface="Consolas" panose="020B0609020204030204" pitchFamily="49" charset="0"/>
               </a:rPr>
-              <a:t>&lt;div </a:t>
-            </a:r>
+              <a:t>&lt;div&gt;</a:t>
+            </a:r>
+          </a:p>
+          <a:p>
             <a:r>
               <a:rPr lang="en-US" altLang="ko-KR" sz="1100" b="0" dirty="0">
                 <a:solidFill>
+                  <a:srgbClr val="D4D4D4"/>
+                </a:solidFill>
+                <a:effectLst/>
+                <a:latin typeface="Consolas" panose="020B0609020204030204" pitchFamily="49" charset="0"/>
+              </a:rPr>
+              <a:t>    &lt;</a:t>
+            </a:r>
+            <a:r>
+              <a:rPr lang="en-US" altLang="ko-KR" sz="1100" b="0" dirty="0" err="1">
+                <a:solidFill>
+                  <a:srgbClr val="D4D4D4"/>
+                </a:solidFill>
+                <a:effectLst/>
+                <a:latin typeface="Consolas" panose="020B0609020204030204" pitchFamily="49" charset="0"/>
+              </a:rPr>
+              <a:t>img</a:t>
+            </a:r>
+            <a:r>
+              <a:rPr lang="en-US" altLang="ko-KR" sz="1100" b="0" dirty="0">
+                <a:solidFill>
+                  <a:srgbClr val="D4D4D4"/>
+                </a:solidFill>
+                <a:effectLst/>
+                <a:latin typeface="Consolas" panose="020B0609020204030204" pitchFamily="49" charset="0"/>
+              </a:rPr>
+              <a:t> </a:t>
+            </a:r>
+            <a:r>
+              <a:rPr lang="en-US" altLang="ko-KR" sz="1100" b="0" dirty="0" err="1">
+                <a:solidFill>
                   <a:srgbClr val="569CD6"/>
                 </a:solidFill>
                 <a:effectLst/>
                 <a:latin typeface="Consolas" panose="020B0609020204030204" pitchFamily="49" charset="0"/>
               </a:rPr>
+              <a:t>src</a:t>
+            </a:r>
+            <a:r>
+              <a:rPr lang="en-US" altLang="ko-KR" sz="1100" b="0" dirty="0">
+                <a:solidFill>
+                  <a:srgbClr val="D4D4D4"/>
+                </a:solidFill>
+                <a:effectLst/>
+                <a:latin typeface="Consolas" panose="020B0609020204030204" pitchFamily="49" charset="0"/>
+              </a:rPr>
+              <a:t>=</a:t>
+            </a:r>
+            <a:r>
+              <a:rPr lang="en-US" altLang="ko-KR" sz="1100" b="0" dirty="0">
+                <a:solidFill>
+                  <a:srgbClr val="CE9178"/>
+                </a:solidFill>
+                <a:effectLst/>
+                <a:latin typeface="Consolas" panose="020B0609020204030204" pitchFamily="49" charset="0"/>
+              </a:rPr>
+              <a:t>"</a:t>
+            </a:r>
+            <a:r>
+              <a:rPr lang="en-US" altLang="ko-KR" sz="1100" b="0" dirty="0" err="1">
+                <a:solidFill>
+                  <a:srgbClr val="CE9178"/>
+                </a:solidFill>
+                <a:effectLst/>
+                <a:latin typeface="Consolas" panose="020B0609020204030204" pitchFamily="49" charset="0"/>
+              </a:rPr>
+              <a:t>image_movie</a:t>
+            </a:r>
+            <a:r>
+              <a:rPr lang="en-US" altLang="ko-KR" sz="1100" b="0" dirty="0">
+                <a:solidFill>
+                  <a:srgbClr val="CE9178"/>
+                </a:solidFill>
+                <a:effectLst/>
+                <a:latin typeface="Consolas" panose="020B0609020204030204" pitchFamily="49" charset="0"/>
+              </a:rPr>
+              <a:t>/</a:t>
+            </a:r>
+            <a:r>
+              <a:rPr lang="ko-KR" altLang="en-US" sz="1100" b="0" dirty="0" err="1">
+                <a:solidFill>
+                  <a:srgbClr val="CE9178"/>
+                </a:solidFill>
+                <a:effectLst/>
+                <a:latin typeface="Consolas" panose="020B0609020204030204" pitchFamily="49" charset="0"/>
+              </a:rPr>
+              <a:t>태극기휘날리며</a:t>
+            </a:r>
+            <a:r>
+              <a:rPr lang="en-US" altLang="ko-KR" sz="1100" b="0" dirty="0">
+                <a:solidFill>
+                  <a:srgbClr val="CE9178"/>
+                </a:solidFill>
+                <a:effectLst/>
+                <a:latin typeface="Consolas" panose="020B0609020204030204" pitchFamily="49" charset="0"/>
+              </a:rPr>
+              <a:t>.jpg"</a:t>
+            </a:r>
+            <a:r>
+              <a:rPr lang="ko-KR" altLang="en-US" sz="1100" b="0" dirty="0">
+                <a:solidFill>
+                  <a:srgbClr val="D4D4D4"/>
+                </a:solidFill>
+                <a:effectLst/>
+                <a:latin typeface="Consolas" panose="020B0609020204030204" pitchFamily="49" charset="0"/>
+              </a:rPr>
+              <a:t> </a:t>
+            </a:r>
+            <a:r>
+              <a:rPr lang="en-US" altLang="ko-KR" sz="1100" b="0" dirty="0">
+                <a:solidFill>
+                  <a:srgbClr val="569CD6"/>
+                </a:solidFill>
+                <a:effectLst/>
+                <a:latin typeface="Consolas" panose="020B0609020204030204" pitchFamily="49" charset="0"/>
+              </a:rPr>
+              <a:t>alt</a:t>
+            </a:r>
+            <a:r>
+              <a:rPr lang="en-US" altLang="ko-KR" sz="1100" b="0" dirty="0">
+                <a:solidFill>
+                  <a:srgbClr val="D4D4D4"/>
+                </a:solidFill>
+                <a:effectLst/>
+                <a:latin typeface="Consolas" panose="020B0609020204030204" pitchFamily="49" charset="0"/>
+              </a:rPr>
+              <a:t>=</a:t>
+            </a:r>
+            <a:r>
+              <a:rPr lang="en-US" altLang="ko-KR" sz="1100" b="0" dirty="0">
+                <a:solidFill>
+                  <a:srgbClr val="CE9178"/>
+                </a:solidFill>
+                <a:effectLst/>
+                <a:latin typeface="Consolas" panose="020B0609020204030204" pitchFamily="49" charset="0"/>
+              </a:rPr>
+              <a:t>""</a:t>
+            </a:r>
+            <a:r>
+              <a:rPr lang="ko-KR" altLang="en-US" sz="1100" b="0" dirty="0">
+                <a:solidFill>
+                  <a:srgbClr val="D4D4D4"/>
+                </a:solidFill>
+                <a:effectLst/>
+                <a:latin typeface="Consolas" panose="020B0609020204030204" pitchFamily="49" charset="0"/>
+              </a:rPr>
+              <a:t> </a:t>
+            </a:r>
+            <a:r>
+              <a:rPr lang="en-US" altLang="ko-KR" sz="1100" b="0" dirty="0">
+                <a:solidFill>
+                  <a:srgbClr val="569CD6"/>
+                </a:solidFill>
+                <a:effectLst/>
+                <a:latin typeface="Consolas" panose="020B0609020204030204" pitchFamily="49" charset="0"/>
+              </a:rPr>
+              <a:t>class</a:t>
+            </a:r>
+            <a:r>
+              <a:rPr lang="ko-KR" altLang="en-US" sz="1100" b="0" dirty="0">
+                <a:solidFill>
+                  <a:srgbClr val="D4D4D4"/>
+                </a:solidFill>
+                <a:effectLst/>
+                <a:latin typeface="Consolas" panose="020B0609020204030204" pitchFamily="49" charset="0"/>
+              </a:rPr>
+              <a:t> </a:t>
+            </a:r>
+            <a:r>
+              <a:rPr lang="en-US" altLang="ko-KR" sz="1100" b="0" dirty="0">
+                <a:solidFill>
+                  <a:srgbClr val="D4D4D4"/>
+                </a:solidFill>
+                <a:effectLst/>
+                <a:latin typeface="Consolas" panose="020B0609020204030204" pitchFamily="49" charset="0"/>
+              </a:rPr>
+              <a:t>=</a:t>
+            </a:r>
+            <a:r>
+              <a:rPr lang="en-US" altLang="ko-KR" sz="1100" b="0" dirty="0">
+                <a:solidFill>
+                  <a:srgbClr val="CE9178"/>
+                </a:solidFill>
+                <a:effectLst/>
+                <a:latin typeface="Consolas" panose="020B0609020204030204" pitchFamily="49" charset="0"/>
+              </a:rPr>
+              <a:t>"main-photo"</a:t>
+            </a:r>
+            <a:r>
+              <a:rPr lang="ko-KR" altLang="en-US" sz="1100" b="0" dirty="0">
+                <a:solidFill>
+                  <a:srgbClr val="D4D4D4"/>
+                </a:solidFill>
+                <a:effectLst/>
+                <a:latin typeface="Consolas" panose="020B0609020204030204" pitchFamily="49" charset="0"/>
+              </a:rPr>
+              <a:t> </a:t>
+            </a:r>
+            <a:r>
+              <a:rPr lang="en-US" altLang="ko-KR" sz="1100" b="0" dirty="0">
+                <a:solidFill>
+                  <a:srgbClr val="569CD6"/>
+                </a:solidFill>
+                <a:effectLst/>
+                <a:latin typeface="Consolas" panose="020B0609020204030204" pitchFamily="49" charset="0"/>
+              </a:rPr>
+              <a:t>id</a:t>
+            </a:r>
+            <a:r>
+              <a:rPr lang="ko-KR" altLang="en-US" sz="1100" b="0" dirty="0">
+                <a:solidFill>
+                  <a:srgbClr val="D4D4D4"/>
+                </a:solidFill>
+                <a:effectLst/>
+                <a:latin typeface="Consolas" panose="020B0609020204030204" pitchFamily="49" charset="0"/>
+              </a:rPr>
+              <a:t> </a:t>
+            </a:r>
+            <a:r>
+              <a:rPr lang="en-US" altLang="ko-KR" sz="1100" b="0" dirty="0">
+                <a:solidFill>
+                  <a:srgbClr val="D4D4D4"/>
+                </a:solidFill>
+                <a:effectLst/>
+                <a:latin typeface="Consolas" panose="020B0609020204030204" pitchFamily="49" charset="0"/>
+              </a:rPr>
+              <a:t>= </a:t>
+            </a:r>
+            <a:r>
+              <a:rPr lang="en-US" altLang="ko-KR" sz="1100" b="0" dirty="0">
+                <a:solidFill>
+                  <a:srgbClr val="CE9178"/>
+                </a:solidFill>
+                <a:effectLst/>
+                <a:latin typeface="Consolas" panose="020B0609020204030204" pitchFamily="49" charset="0"/>
+              </a:rPr>
+              <a:t>"main-photo"</a:t>
+            </a:r>
+            <a:r>
+              <a:rPr lang="en-US" altLang="ko-KR" sz="1100" b="0" dirty="0">
+                <a:solidFill>
+                  <a:srgbClr val="D4D4D4"/>
+                </a:solidFill>
+                <a:effectLst/>
+                <a:latin typeface="Consolas" panose="020B0609020204030204" pitchFamily="49" charset="0"/>
+              </a:rPr>
+              <a:t>&gt;</a:t>
+            </a:r>
+          </a:p>
+          <a:p>
+            <a:r>
+              <a:rPr lang="en-US" altLang="ko-KR" sz="1100" b="0" dirty="0">
+                <a:solidFill>
+                  <a:srgbClr val="D4D4D4"/>
+                </a:solidFill>
+                <a:effectLst/>
+                <a:latin typeface="Consolas" panose="020B0609020204030204" pitchFamily="49" charset="0"/>
+              </a:rPr>
+              <a:t>    &lt;div </a:t>
+            </a:r>
+            <a:r>
+              <a:rPr lang="en-US" altLang="ko-KR" sz="1100" b="0" dirty="0">
+                <a:solidFill>
+                  <a:srgbClr val="569CD6"/>
+                </a:solidFill>
+                <a:effectLst/>
+                <a:latin typeface="Consolas" panose="020B0609020204030204" pitchFamily="49" charset="0"/>
+              </a:rPr>
               <a:t>style</a:t>
             </a:r>
             <a:r>
@@ -13734,11 +13883,61 @@
                 <a:effectLst/>
                 <a:latin typeface="Consolas" panose="020B0609020204030204" pitchFamily="49" charset="0"/>
               </a:rPr>
-              <a:t>"display: flex; flex-wrap: wrap;"</a:t>
+              <a:t>"width: 70%;"</a:t>
+            </a:r>
+            <a:r>
+              <a:rPr lang="ko-KR" altLang="en-US" sz="1100" b="0" dirty="0">
+                <a:solidFill>
+                  <a:srgbClr val="D4D4D4"/>
+                </a:solidFill>
+                <a:effectLst/>
+                <a:latin typeface="Consolas" panose="020B0609020204030204" pitchFamily="49" charset="0"/>
+              </a:rPr>
+              <a:t> </a:t>
             </a:r>
             <a:r>
               <a:rPr lang="en-US" altLang="ko-KR" sz="1100" b="0" dirty="0">
                 <a:solidFill>
+                  <a:srgbClr val="569CD6"/>
+                </a:solidFill>
+                <a:effectLst/>
+                <a:latin typeface="Consolas" panose="020B0609020204030204" pitchFamily="49" charset="0"/>
+              </a:rPr>
+              <a:t>id</a:t>
+            </a:r>
+            <a:r>
+              <a:rPr lang="ko-KR" altLang="en-US" sz="1100" b="0" dirty="0">
+                <a:solidFill>
+                  <a:srgbClr val="D4D4D4"/>
+                </a:solidFill>
+                <a:effectLst/>
+                <a:latin typeface="Consolas" panose="020B0609020204030204" pitchFamily="49" charset="0"/>
+              </a:rPr>
+              <a:t> </a:t>
+            </a:r>
+            <a:r>
+              <a:rPr lang="en-US" altLang="ko-KR" sz="1100" b="0" dirty="0">
+                <a:solidFill>
+                  <a:srgbClr val="D4D4D4"/>
+                </a:solidFill>
+                <a:effectLst/>
+                <a:latin typeface="Consolas" panose="020B0609020204030204" pitchFamily="49" charset="0"/>
+              </a:rPr>
+              <a:t>= </a:t>
+            </a:r>
+            <a:r>
+              <a:rPr lang="en-US" altLang="ko-KR" sz="1100" b="0" dirty="0">
+                <a:solidFill>
+                  <a:srgbClr val="CE9178"/>
+                </a:solidFill>
+                <a:effectLst/>
+                <a:latin typeface="Consolas" panose="020B0609020204030204" pitchFamily="49" charset="0"/>
+              </a:rPr>
+              <a:t>"main"</a:t>
+            </a:r>
+            <a:r>
+              <a:rPr lang="en-US" altLang="ko-KR" sz="1100" b="0" dirty="0">
+                <a:solidFill>
                   <a:srgbClr val="D4D4D4"/>
                 </a:solidFill>
                 <a:effectLst/>
@@ -13756,7 +13955,183 @@
                 <a:effectLst/>
                 <a:latin typeface="Consolas" panose="020B0609020204030204" pitchFamily="49" charset="0"/>
               </a:rPr>
-              <a:t>    &lt;</a:t>
+              <a:t>        &lt;h1 </a:t>
+            </a:r>
+            <a:r>
+              <a:rPr lang="en-US" altLang="ko-KR" sz="1100" b="0" dirty="0">
+                <a:solidFill>
+                  <a:srgbClr val="569CD6"/>
+                </a:solidFill>
+                <a:effectLst/>
+                <a:latin typeface="Consolas" panose="020B0609020204030204" pitchFamily="49" charset="0"/>
+              </a:rPr>
+              <a:t>style</a:t>
+            </a:r>
+            <a:r>
+              <a:rPr lang="en-US" altLang="ko-KR" sz="1100" b="0" dirty="0">
+                <a:solidFill>
+                  <a:srgbClr val="D4D4D4"/>
+                </a:solidFill>
+                <a:effectLst/>
+                <a:latin typeface="Consolas" panose="020B0609020204030204" pitchFamily="49" charset="0"/>
+              </a:rPr>
+              <a:t>=</a:t>
+            </a:r>
+            <a:r>
+              <a:rPr lang="en-US" altLang="ko-KR" sz="1100" b="0" dirty="0">
+                <a:solidFill>
+                  <a:srgbClr val="CE9178"/>
+                </a:solidFill>
+                <a:effectLst/>
+                <a:latin typeface="Consolas" panose="020B0609020204030204" pitchFamily="49" charset="0"/>
+              </a:rPr>
+              <a:t>"padding-left: 20px;"</a:t>
+            </a:r>
+            <a:r>
+              <a:rPr lang="en-US" altLang="ko-KR" sz="1100" b="0" dirty="0">
+                <a:solidFill>
+                  <a:srgbClr val="D4D4D4"/>
+                </a:solidFill>
+                <a:effectLst/>
+                <a:latin typeface="Consolas" panose="020B0609020204030204" pitchFamily="49" charset="0"/>
+              </a:rPr>
+              <a:t>&gt;</a:t>
+            </a:r>
+            <a:r>
+              <a:rPr lang="ko-KR" altLang="en-US" sz="1100" b="0" dirty="0">
+                <a:solidFill>
+                  <a:srgbClr val="D4D4D4"/>
+                </a:solidFill>
+                <a:effectLst/>
+                <a:latin typeface="Consolas" panose="020B0609020204030204" pitchFamily="49" charset="0"/>
+              </a:rPr>
+              <a:t>태극기 휘날리며</a:t>
+            </a:r>
+            <a:r>
+              <a:rPr lang="en-US" altLang="ko-KR" sz="1100" b="0" dirty="0">
+                <a:solidFill>
+                  <a:srgbClr val="D4D4D4"/>
+                </a:solidFill>
+                <a:effectLst/>
+                <a:latin typeface="Consolas" panose="020B0609020204030204" pitchFamily="49" charset="0"/>
+              </a:rPr>
+              <a:t>&lt;/h1&gt;</a:t>
+            </a:r>
+          </a:p>
+          <a:p>
+            <a:r>
+              <a:rPr lang="en-US" altLang="ko-KR" sz="1100" b="0" dirty="0">
+                <a:solidFill>
+                  <a:srgbClr val="D4D4D4"/>
+                </a:solidFill>
+                <a:effectLst/>
+                <a:latin typeface="Consolas" panose="020B0609020204030204" pitchFamily="49" charset="0"/>
+              </a:rPr>
+              <a:t>        &lt;div </a:t>
+            </a:r>
+            <a:r>
+              <a:rPr lang="en-US" altLang="ko-KR" sz="1100" b="0" dirty="0">
+                <a:solidFill>
+                  <a:srgbClr val="569CD6"/>
+                </a:solidFill>
+                <a:effectLst/>
+                <a:latin typeface="Consolas" panose="020B0609020204030204" pitchFamily="49" charset="0"/>
+              </a:rPr>
+              <a:t>class</a:t>
+            </a:r>
+            <a:r>
+              <a:rPr lang="en-US" altLang="ko-KR" sz="1100" b="0" dirty="0">
+                <a:solidFill>
+                  <a:srgbClr val="D4D4D4"/>
+                </a:solidFill>
+                <a:effectLst/>
+                <a:latin typeface="Consolas" panose="020B0609020204030204" pitchFamily="49" charset="0"/>
+              </a:rPr>
+              <a:t>=</a:t>
+            </a:r>
+            <a:r>
+              <a:rPr lang="en-US" altLang="ko-KR" sz="1100" b="0" dirty="0">
+                <a:solidFill>
+                  <a:srgbClr val="CE9178"/>
+                </a:solidFill>
+                <a:effectLst/>
+                <a:latin typeface="Consolas" panose="020B0609020204030204" pitchFamily="49" charset="0"/>
+              </a:rPr>
+              <a:t>"review-div"</a:t>
+            </a:r>
+            <a:r>
+              <a:rPr lang="en-US" altLang="ko-KR" sz="1100" b="0" dirty="0">
+                <a:solidFill>
+                  <a:srgbClr val="D4D4D4"/>
+                </a:solidFill>
+                <a:effectLst/>
+                <a:latin typeface="Consolas" panose="020B0609020204030204" pitchFamily="49" charset="0"/>
+              </a:rPr>
+              <a:t>&gt;</a:t>
+            </a:r>
+          </a:p>
+          <a:p>
+            <a:r>
+              <a:rPr lang="en-US" altLang="ko-KR" sz="1100" b="0" dirty="0">
+                <a:solidFill>
+                  <a:srgbClr val="D4D4D4"/>
+                </a:solidFill>
+                <a:effectLst/>
+                <a:latin typeface="Consolas" panose="020B0609020204030204" pitchFamily="49" charset="0"/>
+              </a:rPr>
+              <a:t>            &lt;div </a:t>
+            </a:r>
+            <a:r>
+              <a:rPr lang="en-US" altLang="ko-KR" sz="1100" b="0" dirty="0">
+                <a:solidFill>
+                  <a:srgbClr val="569CD6"/>
+                </a:solidFill>
+                <a:effectLst/>
+                <a:latin typeface="Consolas" panose="020B0609020204030204" pitchFamily="49" charset="0"/>
+              </a:rPr>
+              <a:t>style</a:t>
+            </a:r>
+            <a:r>
+              <a:rPr lang="en-US" altLang="ko-KR" sz="1100" b="0" dirty="0">
+                <a:solidFill>
+                  <a:srgbClr val="D4D4D4"/>
+                </a:solidFill>
+                <a:effectLst/>
+                <a:latin typeface="Consolas" panose="020B0609020204030204" pitchFamily="49" charset="0"/>
+              </a:rPr>
+              <a:t>=</a:t>
+            </a:r>
+            <a:r>
+              <a:rPr lang="en-US" altLang="ko-KR" sz="1100" b="0" dirty="0">
+                <a:solidFill>
+                  <a:srgbClr val="CE9178"/>
+                </a:solidFill>
+                <a:effectLst/>
+                <a:latin typeface="Consolas" panose="020B0609020204030204" pitchFamily="49" charset="0"/>
+              </a:rPr>
+              <a:t>"display: flex;"</a:t>
+            </a:r>
+            <a:r>
+              <a:rPr lang="en-US" altLang="ko-KR" sz="1100" b="0" dirty="0">
+                <a:solidFill>
+                  <a:srgbClr val="D4D4D4"/>
+                </a:solidFill>
+                <a:effectLst/>
+                <a:latin typeface="Consolas" panose="020B0609020204030204" pitchFamily="49" charset="0"/>
+              </a:rPr>
+              <a:t>&gt;</a:t>
+            </a:r>
+          </a:p>
+          <a:p>
+            <a:r>
+              <a:rPr lang="en-US" altLang="ko-KR" sz="1100" b="0" dirty="0">
+                <a:solidFill>
+                  <a:srgbClr val="D4D4D4"/>
+                </a:solidFill>
+                <a:effectLst/>
+                <a:latin typeface="Consolas" panose="020B0609020204030204" pitchFamily="49" charset="0"/>
+              </a:rPr>
+              <a:t>                &lt;</a:t>
             </a:r>
             <a:r>
               <a:rPr lang="en-US" altLang="ko-KR" sz="1100" b="0" dirty="0" err="1">
@@ -13766,7 +14141,7 @@
                 <a:effectLst/>
                 <a:latin typeface="Consolas" panose="020B0609020204030204" pitchFamily="49" charset="0"/>
               </a:rPr>
-              <a:t>img</a:t>
+              <a:t>i</a:t>
             </a:r>
             <a:r>
               <a:rPr lang="en-US" altLang="ko-KR" sz="1100" b="0" dirty="0">
@@ -13779,14 +14154,106 @@
               <a:t> </a:t>
             </a:r>
             <a:r>
+              <a:rPr lang="en-US" altLang="ko-KR" sz="1100" b="0" dirty="0">
+                <a:solidFill>
+                  <a:srgbClr val="569CD6"/>
+                </a:solidFill>
+                <a:effectLst/>
+                <a:latin typeface="Consolas" panose="020B0609020204030204" pitchFamily="49" charset="0"/>
+              </a:rPr>
+              <a:t>class</a:t>
+            </a:r>
+            <a:r>
+              <a:rPr lang="en-US" altLang="ko-KR" sz="1100" b="0" dirty="0">
+                <a:solidFill>
+                  <a:srgbClr val="D4D4D4"/>
+                </a:solidFill>
+                <a:effectLst/>
+                <a:latin typeface="Consolas" panose="020B0609020204030204" pitchFamily="49" charset="0"/>
+              </a:rPr>
+              <a:t>=</a:t>
+            </a:r>
+            <a:r>
+              <a:rPr lang="en-US" altLang="ko-KR" sz="1100" b="0" dirty="0">
+                <a:solidFill>
+                  <a:srgbClr val="CE9178"/>
+                </a:solidFill>
+                <a:effectLst/>
+                <a:latin typeface="Consolas" panose="020B0609020204030204" pitchFamily="49" charset="0"/>
+              </a:rPr>
+              <a:t>"fa-solid fa-star"</a:t>
+            </a:r>
+            <a:r>
+              <a:rPr lang="en-US" altLang="ko-KR" sz="1100" b="0" dirty="0">
+                <a:solidFill>
+                  <a:srgbClr val="D4D4D4"/>
+                </a:solidFill>
+                <a:effectLst/>
+                <a:latin typeface="Consolas" panose="020B0609020204030204" pitchFamily="49" charset="0"/>
+              </a:rPr>
+              <a:t>&gt;&lt;/</a:t>
+            </a:r>
+            <a:r>
               <a:rPr lang="en-US" altLang="ko-KR" sz="1100" b="0" dirty="0" err="1">
                 <a:solidFill>
+                  <a:srgbClr val="D4D4D4"/>
+                </a:solidFill>
+                <a:effectLst/>
+                <a:latin typeface="Consolas" panose="020B0609020204030204" pitchFamily="49" charset="0"/>
+              </a:rPr>
+              <a:t>i</a:t>
+            </a:r>
+            <a:r>
+              <a:rPr lang="en-US" altLang="ko-KR" sz="1100" b="0" dirty="0">
+                <a:solidFill>
+                  <a:srgbClr val="D4D4D4"/>
+                </a:solidFill>
+                <a:effectLst/>
+                <a:latin typeface="Consolas" panose="020B0609020204030204" pitchFamily="49" charset="0"/>
+              </a:rPr>
+              <a:t>&gt;</a:t>
+            </a:r>
+          </a:p>
+          <a:p>
+            <a:r>
+              <a:rPr lang="en-US" altLang="ko-KR" sz="1100" b="0" dirty="0">
+                <a:solidFill>
+                  <a:srgbClr val="D4D4D4"/>
+                </a:solidFill>
+                <a:effectLst/>
+                <a:latin typeface="Consolas" panose="020B0609020204030204" pitchFamily="49" charset="0"/>
+              </a:rPr>
+              <a:t>                &lt;</a:t>
+            </a:r>
+            <a:r>
+              <a:rPr lang="en-US" altLang="ko-KR" sz="1100" b="0" dirty="0" err="1">
+                <a:solidFill>
+                  <a:srgbClr val="D4D4D4"/>
+                </a:solidFill>
+                <a:effectLst/>
+                <a:latin typeface="Consolas" panose="020B0609020204030204" pitchFamily="49" charset="0"/>
+              </a:rPr>
+              <a:t>i</a:t>
+            </a:r>
+            <a:r>
+              <a:rPr lang="en-US" altLang="ko-KR" sz="1100" b="0" dirty="0">
+                <a:solidFill>
+                  <a:srgbClr val="D4D4D4"/>
+                </a:solidFill>
+                <a:effectLst/>
+                <a:latin typeface="Consolas" panose="020B0609020204030204" pitchFamily="49" charset="0"/>
+              </a:rPr>
+              <a:t> </a:t>
+            </a:r>
+            <a:r>
+              <a:rPr lang="en-US" altLang="ko-KR" sz="1100" b="0" dirty="0">
+                <a:solidFill>
                   <a:srgbClr val="569CD6"/>
                 </a:solidFill>
                 <a:effectLst/>
                 <a:latin typeface="Consolas" panose="020B0609020204030204" pitchFamily="49" charset="0"/>
               </a:rPr>
-              <a:t>src</a:t>
+              <a:t>class</a:t>
             </a:r>
             <a:r>
               <a:rPr lang="en-US" altLang="ko-KR" sz="1100" b="0" dirty="0">
@@ -13806,659 +14273,37 @@
                 <a:effectLst/>
                 <a:latin typeface="Consolas" panose="020B0609020204030204" pitchFamily="49" charset="0"/>
               </a:rPr>
-              <a:t>"</a:t>
+              <a:t>"fa-solid fa-star"</a:t>
+            </a:r>
+            <a:r>
+              <a:rPr lang="en-US" altLang="ko-KR" sz="1100" b="0" dirty="0">
+                <a:solidFill>
+                  <a:srgbClr val="D4D4D4"/>
+                </a:solidFill>
+                <a:effectLst/>
+                <a:latin typeface="Consolas" panose="020B0609020204030204" pitchFamily="49" charset="0"/>
+              </a:rPr>
+              <a:t>&gt;&lt;/</a:t>
             </a:r>
             <a:r>
               <a:rPr lang="en-US" altLang="ko-KR" sz="1100" b="0" dirty="0" err="1">
                 <a:solidFill>
-                  <a:srgbClr val="CE9178"/>
-                </a:solidFill>
-                <a:effectLst/>
-                <a:latin typeface="Consolas" panose="020B0609020204030204" pitchFamily="49" charset="0"/>
-              </a:rPr>
-              <a:t>image_movie</a:t>
+                  <a:srgbClr val="D4D4D4"/>
+                </a:solidFill>
+                <a:effectLst/>
+                <a:latin typeface="Consolas" panose="020B0609020204030204" pitchFamily="49" charset="0"/>
+              </a:rPr>
+              <a:t>i</a:t>
             </a:r>
             <a:r>
               <a:rPr lang="en-US" altLang="ko-KR" sz="1100" b="0" dirty="0">
                 <a:solidFill>
-                  <a:srgbClr val="CE9178"/>
-                </a:solidFill>
-                <a:effectLst/>
-                <a:latin typeface="Consolas" panose="020B0609020204030204" pitchFamily="49" charset="0"/>
-              </a:rPr>
-              <a:t>/</a:t>
-            </a:r>
-            <a:r>
-              <a:rPr lang="ko-KR" altLang="en-US" sz="1100" b="0" dirty="0" err="1">
-                <a:solidFill>
-                  <a:srgbClr val="CE9178"/>
-                </a:solidFill>
-                <a:effectLst/>
-                <a:latin typeface="Consolas" panose="020B0609020204030204" pitchFamily="49" charset="0"/>
-              </a:rPr>
-              <a:t>태극기휘날리며</a:t>
-            </a:r>
-            <a:r>
-              <a:rPr lang="en-US" altLang="ko-KR" sz="1100" b="0" dirty="0">
-                <a:solidFill>
-                  <a:srgbClr val="CE9178"/>
-                </a:solidFill>
-                <a:effectLst/>
-                <a:latin typeface="Consolas" panose="020B0609020204030204" pitchFamily="49" charset="0"/>
-              </a:rPr>
-              <a:t>.jpg"</a:t>
-            </a:r>
-            <a:r>
-              <a:rPr lang="ko-KR" altLang="en-US" sz="1100" b="0" dirty="0">
-                <a:solidFill>
-                  <a:srgbClr val="D4D4D4"/>
-                </a:solidFill>
-                <a:effectLst/>
-                <a:latin typeface="Consolas" panose="020B0609020204030204" pitchFamily="49" charset="0"/>
-              </a:rPr>
-              <a:t> </a:t>
-            </a:r>
-            <a:r>
-              <a:rPr lang="en-US" altLang="ko-KR" sz="1100" b="0" dirty="0">
-                <a:solidFill>
-                  <a:srgbClr val="569CD6"/>
-                </a:solidFill>
-                <a:effectLst/>
-                <a:latin typeface="Consolas" panose="020B0609020204030204" pitchFamily="49" charset="0"/>
-              </a:rPr>
-              <a:t>alt</a:t>
-            </a:r>
-            <a:r>
-              <a:rPr lang="en-US" altLang="ko-KR" sz="1100" b="0" dirty="0">
-                <a:solidFill>
-                  <a:srgbClr val="D4D4D4"/>
-                </a:solidFill>
-                <a:effectLst/>
-                <a:latin typeface="Consolas" panose="020B0609020204030204" pitchFamily="49" charset="0"/>
-              </a:rPr>
-              <a:t>=</a:t>
-            </a:r>
-            <a:r>
-              <a:rPr lang="en-US" altLang="ko-KR" sz="1100" b="0" dirty="0">
-                <a:solidFill>
-                  <a:srgbClr val="CE9178"/>
-                </a:solidFill>
-                <a:effectLst/>
-                <a:latin typeface="Consolas" panose="020B0609020204030204" pitchFamily="49" charset="0"/>
-              </a:rPr>
-              <a:t>""</a:t>
-            </a:r>
-            <a:r>
-              <a:rPr lang="ko-KR" altLang="en-US" sz="1100" b="0" dirty="0">
-                <a:solidFill>
-                  <a:srgbClr val="D4D4D4"/>
-                </a:solidFill>
-                <a:effectLst/>
-                <a:latin typeface="Consolas" panose="020B0609020204030204" pitchFamily="49" charset="0"/>
-              </a:rPr>
-              <a:t> </a:t>
-            </a:r>
-            <a:r>
-              <a:rPr lang="en-US" altLang="ko-KR" sz="1100" b="0" dirty="0">
-                <a:solidFill>
-                  <a:srgbClr val="569CD6"/>
-                </a:solidFill>
-                <a:effectLst/>
-                <a:latin typeface="Consolas" panose="020B0609020204030204" pitchFamily="49" charset="0"/>
-              </a:rPr>
-              <a:t>class</a:t>
-            </a:r>
-            <a:r>
-              <a:rPr lang="ko-KR" altLang="en-US" sz="1100" b="0" dirty="0">
-                <a:solidFill>
-                  <a:srgbClr val="D4D4D4"/>
-                </a:solidFill>
-                <a:effectLst/>
-                <a:latin typeface="Consolas" panose="020B0609020204030204" pitchFamily="49" charset="0"/>
-              </a:rPr>
-              <a:t> </a:t>
-            </a:r>
-            <a:r>
-              <a:rPr lang="en-US" altLang="ko-KR" sz="1100" b="0" dirty="0">
-                <a:solidFill>
-                  <a:srgbClr val="D4D4D4"/>
-                </a:solidFill>
-                <a:effectLst/>
-                <a:latin typeface="Consolas" panose="020B0609020204030204" pitchFamily="49" charset="0"/>
-              </a:rPr>
-              <a:t>=</a:t>
-            </a:r>
-            <a:r>
-              <a:rPr lang="en-US" altLang="ko-KR" sz="1100" b="0" dirty="0">
-                <a:solidFill>
-                  <a:srgbClr val="CE9178"/>
-                </a:solidFill>
-                <a:effectLst/>
-                <a:latin typeface="Consolas" panose="020B0609020204030204" pitchFamily="49" charset="0"/>
-              </a:rPr>
-              <a:t>"main-photo"</a:t>
-            </a:r>
-            <a:r>
-              <a:rPr lang="ko-KR" altLang="en-US" sz="1100" b="0" dirty="0">
-                <a:solidFill>
-                  <a:srgbClr val="D4D4D4"/>
-                </a:solidFill>
-                <a:effectLst/>
-                <a:latin typeface="Consolas" panose="020B0609020204030204" pitchFamily="49" charset="0"/>
-              </a:rPr>
-              <a:t> </a:t>
-            </a:r>
-            <a:r>
-              <a:rPr lang="en-US" altLang="ko-KR" sz="1100" b="0" dirty="0">
-                <a:solidFill>
-                  <a:srgbClr val="569CD6"/>
-                </a:solidFill>
-                <a:effectLst/>
-                <a:latin typeface="Consolas" panose="020B0609020204030204" pitchFamily="49" charset="0"/>
-              </a:rPr>
-              <a:t>id</a:t>
-            </a:r>
-            <a:r>
-              <a:rPr lang="ko-KR" altLang="en-US" sz="1100" b="0" dirty="0">
-                <a:solidFill>
-                  <a:srgbClr val="D4D4D4"/>
-                </a:solidFill>
-                <a:effectLst/>
-                <a:latin typeface="Consolas" panose="020B0609020204030204" pitchFamily="49" charset="0"/>
-              </a:rPr>
-              <a:t> </a:t>
-            </a:r>
-            <a:r>
-              <a:rPr lang="en-US" altLang="ko-KR" sz="1100" b="0" dirty="0">
-                <a:solidFill>
-                  <a:srgbClr val="D4D4D4"/>
-                </a:solidFill>
-                <a:effectLst/>
-                <a:latin typeface="Consolas" panose="020B0609020204030204" pitchFamily="49" charset="0"/>
-              </a:rPr>
-              <a:t>= </a:t>
-            </a:r>
-            <a:r>
-              <a:rPr lang="en-US" altLang="ko-KR" sz="1100" b="0" dirty="0">
-                <a:solidFill>
-                  <a:srgbClr val="CE9178"/>
-                </a:solidFill>
-                <a:effectLst/>
-                <a:latin typeface="Consolas" panose="020B0609020204030204" pitchFamily="49" charset="0"/>
-              </a:rPr>
-              <a:t>"main-photo"</a:t>
-            </a:r>
-            <a:r>
-              <a:rPr lang="en-US" altLang="ko-KR" sz="1100" b="0" dirty="0">
-                <a:solidFill>
                   <a:srgbClr val="D4D4D4"/>
                 </a:solidFill>
                 <a:effectLst/>
                 <a:latin typeface="Consolas" panose="020B0609020204030204" pitchFamily="49" charset="0"/>
               </a:rPr>
               <a:t>&gt;</a:t>
-            </a:r>
-          </a:p>
-          <a:p>
-            <a:r>
-              <a:rPr lang="en-US" altLang="ko-KR" sz="1100" b="0" dirty="0">
-                <a:solidFill>
-                  <a:srgbClr val="D4D4D4"/>
-                </a:solidFill>
-                <a:effectLst/>
-                <a:latin typeface="Consolas" panose="020B0609020204030204" pitchFamily="49" charset="0"/>
-              </a:rPr>
-              <a:t>    &lt;div </a:t>
-            </a:r>
-            <a:r>
-              <a:rPr lang="en-US" altLang="ko-KR" sz="1100" b="0" dirty="0">
-                <a:solidFill>
-                  <a:srgbClr val="569CD6"/>
-                </a:solidFill>
-                <a:effectLst/>
-                <a:latin typeface="Consolas" panose="020B0609020204030204" pitchFamily="49" charset="0"/>
-              </a:rPr>
-              <a:t>style</a:t>
-            </a:r>
-            <a:r>
-              <a:rPr lang="en-US" altLang="ko-KR" sz="1100" b="0" dirty="0">
-                <a:solidFill>
-                  <a:srgbClr val="D4D4D4"/>
-                </a:solidFill>
-                <a:effectLst/>
-                <a:latin typeface="Consolas" panose="020B0609020204030204" pitchFamily="49" charset="0"/>
-              </a:rPr>
-              <a:t>=</a:t>
-            </a:r>
-            <a:r>
-              <a:rPr lang="en-US" altLang="ko-KR" sz="1100" b="0" dirty="0">
-                <a:solidFill>
-                  <a:srgbClr val="CE9178"/>
-                </a:solidFill>
-                <a:effectLst/>
-                <a:latin typeface="Consolas" panose="020B0609020204030204" pitchFamily="49" charset="0"/>
-              </a:rPr>
-              <a:t>"width: 70%;"</a:t>
-            </a:r>
-            <a:r>
-              <a:rPr lang="ko-KR" altLang="en-US" sz="1100" b="0" dirty="0">
-                <a:solidFill>
-                  <a:srgbClr val="D4D4D4"/>
-                </a:solidFill>
-                <a:effectLst/>
-                <a:latin typeface="Consolas" panose="020B0609020204030204" pitchFamily="49" charset="0"/>
-              </a:rPr>
-              <a:t> </a:t>
-            </a:r>
-            <a:r>
-              <a:rPr lang="en-US" altLang="ko-KR" sz="1100" b="0" dirty="0">
-                <a:solidFill>
-                  <a:srgbClr val="569CD6"/>
-                </a:solidFill>
-                <a:effectLst/>
-                <a:latin typeface="Consolas" panose="020B0609020204030204" pitchFamily="49" charset="0"/>
-              </a:rPr>
-              <a:t>id</a:t>
-            </a:r>
-            <a:r>
-              <a:rPr lang="ko-KR" altLang="en-US" sz="1100" b="0" dirty="0">
-                <a:solidFill>
-                  <a:srgbClr val="D4D4D4"/>
-                </a:solidFill>
-                <a:effectLst/>
-                <a:latin typeface="Consolas" panose="020B0609020204030204" pitchFamily="49" charset="0"/>
-              </a:rPr>
-              <a:t> </a:t>
-            </a:r>
-            <a:r>
-              <a:rPr lang="en-US" altLang="ko-KR" sz="1100" b="0" dirty="0">
-                <a:solidFill>
-                  <a:srgbClr val="D4D4D4"/>
-                </a:solidFill>
-                <a:effectLst/>
-                <a:latin typeface="Consolas" panose="020B0609020204030204" pitchFamily="49" charset="0"/>
-              </a:rPr>
-              <a:t>= </a:t>
-            </a:r>
-            <a:r>
-              <a:rPr lang="en-US" altLang="ko-KR" sz="1100" b="0" dirty="0">
-                <a:solidFill>
-                  <a:srgbClr val="CE9178"/>
-                </a:solidFill>
-                <a:effectLst/>
-                <a:latin typeface="Consolas" panose="020B0609020204030204" pitchFamily="49" charset="0"/>
-              </a:rPr>
-              <a:t>"main"</a:t>
-            </a:r>
-            <a:r>
-              <a:rPr lang="en-US" altLang="ko-KR" sz="1100" b="0" dirty="0">
-                <a:solidFill>
-                  <a:srgbClr val="D4D4D4"/>
-                </a:solidFill>
-                <a:effectLst/>
-                <a:latin typeface="Consolas" panose="020B0609020204030204" pitchFamily="49" charset="0"/>
-              </a:rPr>
-              <a:t>&gt;</a:t>
-            </a:r>
-          </a:p>
-          <a:p>
-            <a:r>
-              <a:rPr lang="en-US" altLang="ko-KR" sz="1100" b="0" dirty="0">
-                <a:solidFill>
-                  <a:srgbClr val="D4D4D4"/>
-                </a:solidFill>
-                <a:effectLst/>
-                <a:latin typeface="Consolas" panose="020B0609020204030204" pitchFamily="49" charset="0"/>
-              </a:rPr>
-              <a:t>        &lt;h1 </a:t>
-            </a:r>
-            <a:r>
-              <a:rPr lang="en-US" altLang="ko-KR" sz="1100" b="0" dirty="0">
-                <a:solidFill>
-                  <a:srgbClr val="569CD6"/>
-                </a:solidFill>
-                <a:effectLst/>
-                <a:latin typeface="Consolas" panose="020B0609020204030204" pitchFamily="49" charset="0"/>
-              </a:rPr>
-              <a:t>style</a:t>
-            </a:r>
-            <a:r>
-              <a:rPr lang="en-US" altLang="ko-KR" sz="1100" b="0" dirty="0">
-                <a:solidFill>
-                  <a:srgbClr val="D4D4D4"/>
-                </a:solidFill>
-                <a:effectLst/>
-                <a:latin typeface="Consolas" panose="020B0609020204030204" pitchFamily="49" charset="0"/>
-              </a:rPr>
-              <a:t>=</a:t>
-            </a:r>
-            <a:r>
-              <a:rPr lang="en-US" altLang="ko-KR" sz="1100" b="0" dirty="0">
-                <a:solidFill>
-                  <a:srgbClr val="CE9178"/>
-                </a:solidFill>
-                <a:effectLst/>
-                <a:latin typeface="Consolas" panose="020B0609020204030204" pitchFamily="49" charset="0"/>
-              </a:rPr>
-              <a:t>"padding-left: 20px;"</a:t>
-            </a:r>
-            <a:r>
-              <a:rPr lang="en-US" altLang="ko-KR" sz="1100" b="0" dirty="0">
-                <a:solidFill>
-                  <a:srgbClr val="D4D4D4"/>
-                </a:solidFill>
-                <a:effectLst/>
-                <a:latin typeface="Consolas" panose="020B0609020204030204" pitchFamily="49" charset="0"/>
-              </a:rPr>
-              <a:t>&gt;</a:t>
-            </a:r>
-            <a:r>
-              <a:rPr lang="ko-KR" altLang="en-US" sz="1100" b="0" dirty="0">
-                <a:solidFill>
-                  <a:srgbClr val="D4D4D4"/>
-                </a:solidFill>
-                <a:effectLst/>
-                <a:latin typeface="Consolas" panose="020B0609020204030204" pitchFamily="49" charset="0"/>
-              </a:rPr>
-              <a:t>태극기 휘날리며</a:t>
-            </a:r>
-            <a:r>
-              <a:rPr lang="en-US" altLang="ko-KR" sz="1100" b="0" dirty="0">
-                <a:solidFill>
-                  <a:srgbClr val="D4D4D4"/>
-                </a:solidFill>
-                <a:effectLst/>
-                <a:latin typeface="Consolas" panose="020B0609020204030204" pitchFamily="49" charset="0"/>
-              </a:rPr>
-              <a:t>&lt;/h1&gt;</a:t>
-            </a:r>
-          </a:p>
-          <a:p>
-            <a:r>
-              <a:rPr lang="en-US" altLang="ko-KR" sz="1100" b="0" dirty="0">
-                <a:solidFill>
-                  <a:srgbClr val="D4D4D4"/>
-                </a:solidFill>
-                <a:effectLst/>
-                <a:latin typeface="Consolas" panose="020B0609020204030204" pitchFamily="49" charset="0"/>
-              </a:rPr>
-              <a:t>        &lt;div </a:t>
-            </a:r>
-            <a:r>
-              <a:rPr lang="en-US" altLang="ko-KR" sz="1100" b="0" dirty="0">
-                <a:solidFill>
-                  <a:srgbClr val="569CD6"/>
-                </a:solidFill>
-                <a:effectLst/>
-                <a:latin typeface="Consolas" panose="020B0609020204030204" pitchFamily="49" charset="0"/>
-              </a:rPr>
-              <a:t>class</a:t>
-            </a:r>
-            <a:r>
-              <a:rPr lang="en-US" altLang="ko-KR" sz="1100" b="0" dirty="0">
-                <a:solidFill>
-                  <a:srgbClr val="D4D4D4"/>
-                </a:solidFill>
-                <a:effectLst/>
-                <a:latin typeface="Consolas" panose="020B0609020204030204" pitchFamily="49" charset="0"/>
-              </a:rPr>
-              <a:t>=</a:t>
-            </a:r>
-            <a:r>
-              <a:rPr lang="en-US" altLang="ko-KR" sz="1100" b="0" dirty="0">
-                <a:solidFill>
-                  <a:srgbClr val="CE9178"/>
-                </a:solidFill>
-                <a:effectLst/>
-                <a:latin typeface="Consolas" panose="020B0609020204030204" pitchFamily="49" charset="0"/>
-              </a:rPr>
-              <a:t>"review-div"</a:t>
-            </a:r>
-            <a:r>
-              <a:rPr lang="en-US" altLang="ko-KR" sz="1100" b="0" dirty="0">
-                <a:solidFill>
-                  <a:srgbClr val="D4D4D4"/>
-                </a:solidFill>
-                <a:effectLst/>
-                <a:latin typeface="Consolas" panose="020B0609020204030204" pitchFamily="49" charset="0"/>
-              </a:rPr>
-              <a:t>&gt;</a:t>
-            </a:r>
-          </a:p>
-          <a:p>
-            <a:r>
-              <a:rPr lang="en-US" altLang="ko-KR" sz="1100" b="0" dirty="0">
-                <a:solidFill>
-                  <a:srgbClr val="D4D4D4"/>
-                </a:solidFill>
-                <a:effectLst/>
-                <a:latin typeface="Consolas" panose="020B0609020204030204" pitchFamily="49" charset="0"/>
-              </a:rPr>
-              <a:t>            &lt;div </a:t>
-            </a:r>
-            <a:r>
-              <a:rPr lang="en-US" altLang="ko-KR" sz="1100" b="0" dirty="0">
-                <a:solidFill>
-                  <a:srgbClr val="569CD6"/>
-                </a:solidFill>
-                <a:effectLst/>
-                <a:latin typeface="Consolas" panose="020B0609020204030204" pitchFamily="49" charset="0"/>
-              </a:rPr>
-              <a:t>style</a:t>
-            </a:r>
-            <a:r>
-              <a:rPr lang="en-US" altLang="ko-KR" sz="1100" b="0" dirty="0">
-                <a:solidFill>
-                  <a:srgbClr val="D4D4D4"/>
-                </a:solidFill>
-                <a:effectLst/>
-                <a:latin typeface="Consolas" panose="020B0609020204030204" pitchFamily="49" charset="0"/>
-              </a:rPr>
-              <a:t>=</a:t>
-            </a:r>
-            <a:r>
-              <a:rPr lang="en-US" altLang="ko-KR" sz="1100" b="0" dirty="0">
-                <a:solidFill>
-                  <a:srgbClr val="CE9178"/>
-                </a:solidFill>
-                <a:effectLst/>
-                <a:latin typeface="Consolas" panose="020B0609020204030204" pitchFamily="49" charset="0"/>
-              </a:rPr>
-              <a:t>"display: flex;"</a:t>
-            </a:r>
-            <a:r>
-              <a:rPr lang="en-US" altLang="ko-KR" sz="1100" b="0" dirty="0">
-                <a:solidFill>
-                  <a:srgbClr val="D4D4D4"/>
-                </a:solidFill>
-                <a:effectLst/>
-                <a:latin typeface="Consolas" panose="020B0609020204030204" pitchFamily="49" charset="0"/>
-              </a:rPr>
-              <a:t>&gt;</a:t>
-            </a:r>
-          </a:p>
-          <a:p>
-            <a:r>
-              <a:rPr lang="en-US" altLang="ko-KR" sz="1100" b="0" dirty="0">
-                <a:solidFill>
-                  <a:srgbClr val="D4D4D4"/>
-                </a:solidFill>
-                <a:effectLst/>
-                <a:latin typeface="Consolas" panose="020B0609020204030204" pitchFamily="49" charset="0"/>
-              </a:rPr>
-              <a:t>                &lt;h1&gt;&lt;</a:t>
-            </a:r>
-            <a:r>
-              <a:rPr lang="en-US" altLang="ko-KR" sz="1100" b="0" dirty="0" err="1">
-                <a:solidFill>
-                  <a:srgbClr val="D4D4D4"/>
-                </a:solidFill>
-                <a:effectLst/>
-                <a:latin typeface="Consolas" panose="020B0609020204030204" pitchFamily="49" charset="0"/>
-              </a:rPr>
-              <a:t>i</a:t>
-            </a:r>
-            <a:r>
-              <a:rPr lang="en-US" altLang="ko-KR" sz="1100" b="0" dirty="0">
-                <a:solidFill>
-                  <a:srgbClr val="D4D4D4"/>
-                </a:solidFill>
-                <a:effectLst/>
-                <a:latin typeface="Consolas" panose="020B0609020204030204" pitchFamily="49" charset="0"/>
-              </a:rPr>
-              <a:t> </a:t>
-            </a:r>
-            <a:r>
-              <a:rPr lang="en-US" altLang="ko-KR" sz="1100" b="0" dirty="0">
-                <a:solidFill>
-                  <a:srgbClr val="569CD6"/>
-                </a:solidFill>
-                <a:effectLst/>
-                <a:latin typeface="Consolas" panose="020B0609020204030204" pitchFamily="49" charset="0"/>
-              </a:rPr>
-              <a:t>class</a:t>
-            </a:r>
-            <a:r>
-              <a:rPr lang="en-US" altLang="ko-KR" sz="1100" b="0" dirty="0">
-                <a:solidFill>
-                  <a:srgbClr val="D4D4D4"/>
-                </a:solidFill>
-                <a:effectLst/>
-                <a:latin typeface="Consolas" panose="020B0609020204030204" pitchFamily="49" charset="0"/>
-              </a:rPr>
-              <a:t>=</a:t>
-            </a:r>
-            <a:r>
-              <a:rPr lang="en-US" altLang="ko-KR" sz="1100" b="0" dirty="0">
-                <a:solidFill>
-                  <a:srgbClr val="CE9178"/>
-                </a:solidFill>
-                <a:effectLst/>
-                <a:latin typeface="Consolas" panose="020B0609020204030204" pitchFamily="49" charset="0"/>
-              </a:rPr>
-              <a:t>"fa-solid fa-star"</a:t>
-            </a:r>
-            <a:r>
-              <a:rPr lang="en-US" altLang="ko-KR" sz="1100" b="0" dirty="0">
-                <a:solidFill>
-                  <a:srgbClr val="D4D4D4"/>
-                </a:solidFill>
-                <a:effectLst/>
-                <a:latin typeface="Consolas" panose="020B0609020204030204" pitchFamily="49" charset="0"/>
-              </a:rPr>
-              <a:t>&gt;&lt;/</a:t>
-            </a:r>
-            <a:r>
-              <a:rPr lang="en-US" altLang="ko-KR" sz="1100" b="0" dirty="0" err="1">
-                <a:solidFill>
-                  <a:srgbClr val="D4D4D4"/>
-                </a:solidFill>
-                <a:effectLst/>
-                <a:latin typeface="Consolas" panose="020B0609020204030204" pitchFamily="49" charset="0"/>
-              </a:rPr>
-              <a:t>i</a:t>
-            </a:r>
-            <a:r>
-              <a:rPr lang="en-US" altLang="ko-KR" sz="1100" b="0" dirty="0">
-                <a:solidFill>
-                  <a:srgbClr val="D4D4D4"/>
-                </a:solidFill>
-                <a:effectLst/>
-                <a:latin typeface="Consolas" panose="020B0609020204030204" pitchFamily="49" charset="0"/>
-              </a:rPr>
-              <a:t>&gt;&lt;/h1&gt;</a:t>
-            </a:r>
-          </a:p>
-          <a:p>
-            <a:r>
-              <a:rPr lang="en-US" altLang="ko-KR" sz="1100" b="0" dirty="0">
-                <a:solidFill>
-                  <a:srgbClr val="D4D4D4"/>
-                </a:solidFill>
-                <a:effectLst/>
-                <a:latin typeface="Consolas" panose="020B0609020204030204" pitchFamily="49" charset="0"/>
-              </a:rPr>
-              <a:t>                &lt;h1&gt;&lt;</a:t>
-            </a:r>
-            <a:r>
-              <a:rPr lang="en-US" altLang="ko-KR" sz="1100" b="0" dirty="0" err="1">
-                <a:solidFill>
-                  <a:srgbClr val="D4D4D4"/>
-                </a:solidFill>
-                <a:effectLst/>
-                <a:latin typeface="Consolas" panose="020B0609020204030204" pitchFamily="49" charset="0"/>
-              </a:rPr>
-              <a:t>i</a:t>
-            </a:r>
-            <a:r>
-              <a:rPr lang="en-US" altLang="ko-KR" sz="1100" b="0" dirty="0">
-                <a:solidFill>
-                  <a:srgbClr val="D4D4D4"/>
-                </a:solidFill>
-                <a:effectLst/>
-                <a:latin typeface="Consolas" panose="020B0609020204030204" pitchFamily="49" charset="0"/>
-              </a:rPr>
-              <a:t> </a:t>
-            </a:r>
-            <a:r>
-              <a:rPr lang="en-US" altLang="ko-KR" sz="1100" b="0" dirty="0">
-                <a:solidFill>
-                  <a:srgbClr val="569CD6"/>
-                </a:solidFill>
-                <a:effectLst/>
-                <a:latin typeface="Consolas" panose="020B0609020204030204" pitchFamily="49" charset="0"/>
-              </a:rPr>
-              <a:t>class</a:t>
-            </a:r>
-            <a:r>
-              <a:rPr lang="en-US" altLang="ko-KR" sz="1100" b="0" dirty="0">
-                <a:solidFill>
-                  <a:srgbClr val="D4D4D4"/>
-                </a:solidFill>
-                <a:effectLst/>
-                <a:latin typeface="Consolas" panose="020B0609020204030204" pitchFamily="49" charset="0"/>
-              </a:rPr>
-              <a:t>=</a:t>
-            </a:r>
-            <a:r>
-              <a:rPr lang="en-US" altLang="ko-KR" sz="1100" b="0" dirty="0">
-                <a:solidFill>
-                  <a:srgbClr val="CE9178"/>
-                </a:solidFill>
-                <a:effectLst/>
-                <a:latin typeface="Consolas" panose="020B0609020204030204" pitchFamily="49" charset="0"/>
-              </a:rPr>
-              <a:t>"fa-solid fa-star"</a:t>
-            </a:r>
-            <a:r>
-              <a:rPr lang="en-US" altLang="ko-KR" sz="1100" b="0" dirty="0">
-                <a:solidFill>
-                  <a:srgbClr val="D4D4D4"/>
-                </a:solidFill>
-                <a:effectLst/>
-                <a:latin typeface="Consolas" panose="020B0609020204030204" pitchFamily="49" charset="0"/>
-              </a:rPr>
-              <a:t>&gt;&lt;/</a:t>
-            </a:r>
-            <a:r>
-              <a:rPr lang="en-US" altLang="ko-KR" sz="1100" b="0" dirty="0" err="1">
-                <a:solidFill>
-                  <a:srgbClr val="D4D4D4"/>
-                </a:solidFill>
-                <a:effectLst/>
-                <a:latin typeface="Consolas" panose="020B0609020204030204" pitchFamily="49" charset="0"/>
-              </a:rPr>
-              <a:t>i</a:t>
-            </a:r>
-            <a:r>
-              <a:rPr lang="en-US" altLang="ko-KR" sz="1100" b="0" dirty="0">
-                <a:solidFill>
-                  <a:srgbClr val="D4D4D4"/>
-                </a:solidFill>
-                <a:effectLst/>
-                <a:latin typeface="Consolas" panose="020B0609020204030204" pitchFamily="49" charset="0"/>
-              </a:rPr>
-              <a:t>&gt;&lt;/h1&gt;</a:t>
             </a:r>
           </a:p>
           <a:p>
@@ -14540,17 +14385,127 @@
                 <a:effectLst/>
                 <a:latin typeface="Consolas" panose="020B0609020204030204" pitchFamily="49" charset="0"/>
               </a:rPr>
-              <a:t>                    &lt;h1 </a:t>
-            </a:r>
+              <a:t>                    &lt;p&gt;4.5&lt;/p&gt;</a:t>
+            </a:r>
+          </a:p>
+          <a:p>
             <a:r>
               <a:rPr lang="en-US" altLang="ko-KR" sz="1100" b="0" dirty="0">
                 <a:solidFill>
+                  <a:srgbClr val="D4D4D4"/>
+                </a:solidFill>
+                <a:effectLst/>
+                <a:latin typeface="Consolas" panose="020B0609020204030204" pitchFamily="49" charset="0"/>
+              </a:rPr>
+              <a:t>                    </a:t>
+            </a:r>
+            <a:r>
+              <a:rPr lang="ko-KR" altLang="en-US" sz="1100" b="0" dirty="0">
+                <a:solidFill>
+                  <a:srgbClr val="D4D4D4"/>
+                </a:solidFill>
+                <a:effectLst/>
+                <a:latin typeface="Consolas" panose="020B0609020204030204" pitchFamily="49" charset="0"/>
+              </a:rPr>
+              <a:t>평균 </a:t>
+            </a:r>
+            <a:r>
+              <a:rPr lang="ko-KR" altLang="en-US" sz="1100" b="0" dirty="0" err="1">
+                <a:solidFill>
+                  <a:srgbClr val="D4D4D4"/>
+                </a:solidFill>
+                <a:effectLst/>
+                <a:latin typeface="Consolas" panose="020B0609020204030204" pitchFamily="49" charset="0"/>
+              </a:rPr>
+              <a:t>별점</a:t>
+            </a:r>
+            <a:r>
+              <a:rPr lang="en-US" altLang="ko-KR" sz="1100" b="0" dirty="0">
+                <a:solidFill>
+                  <a:srgbClr val="D4D4D4"/>
+                </a:solidFill>
+                <a:effectLst/>
+                <a:latin typeface="Consolas" panose="020B0609020204030204" pitchFamily="49" charset="0"/>
+              </a:rPr>
+              <a:t>(2</a:t>
+            </a:r>
+            <a:r>
+              <a:rPr lang="ko-KR" altLang="en-US" sz="1100" b="0" dirty="0">
+                <a:solidFill>
+                  <a:srgbClr val="D4D4D4"/>
+                </a:solidFill>
+                <a:effectLst/>
+                <a:latin typeface="Consolas" panose="020B0609020204030204" pitchFamily="49" charset="0"/>
+              </a:rPr>
+              <a:t>만명</a:t>
+            </a:r>
+            <a:r>
+              <a:rPr lang="en-US" altLang="ko-KR" sz="1100" b="0" dirty="0">
+                <a:solidFill>
+                  <a:srgbClr val="D4D4D4"/>
+                </a:solidFill>
+                <a:effectLst/>
+                <a:latin typeface="Consolas" panose="020B0609020204030204" pitchFamily="49" charset="0"/>
+              </a:rPr>
+              <a:t>)</a:t>
+            </a:r>
+          </a:p>
+          <a:p>
+            <a:r>
+              <a:rPr lang="en-US" altLang="ko-KR" sz="1100" b="0" dirty="0">
+                <a:solidFill>
+                  <a:srgbClr val="D4D4D4"/>
+                </a:solidFill>
+                <a:effectLst/>
+                <a:latin typeface="Consolas" panose="020B0609020204030204" pitchFamily="49" charset="0"/>
+              </a:rPr>
+              <a:t>                &lt;/div&gt;</a:t>
+            </a:r>
+          </a:p>
+          <a:p>
+            <a:r>
+              <a:rPr lang="en-US" altLang="ko-KR" sz="1100" b="0" dirty="0">
+                <a:solidFill>
+                  <a:srgbClr val="D4D4D4"/>
+                </a:solidFill>
+                <a:effectLst/>
+                <a:latin typeface="Consolas" panose="020B0609020204030204" pitchFamily="49" charset="0"/>
+              </a:rPr>
+              <a:t>            &lt;/div&gt;</a:t>
+            </a:r>
+          </a:p>
+          <a:p>
+            <a:r>
+              <a:rPr lang="en-US" altLang="ko-KR" sz="1100" b="0" dirty="0">
+                <a:solidFill>
+                  <a:srgbClr val="D4D4D4"/>
+                </a:solidFill>
+                <a:effectLst/>
+                <a:latin typeface="Consolas" panose="020B0609020204030204" pitchFamily="49" charset="0"/>
+              </a:rPr>
+              <a:t>            &lt;div&gt;</a:t>
+            </a:r>
+          </a:p>
+          <a:p>
+            <a:r>
+              <a:rPr lang="en-US" altLang="ko-KR" sz="1100" b="0" dirty="0">
+                <a:solidFill>
+                  <a:srgbClr val="D4D4D4"/>
+                </a:solidFill>
+                <a:effectLst/>
+                <a:latin typeface="Consolas" panose="020B0609020204030204" pitchFamily="49" charset="0"/>
+              </a:rPr>
+              <a:t>                &lt;h1&gt;&lt;I </a:t>
+            </a:r>
+            <a:r>
+              <a:rPr lang="en-US" altLang="ko-KR" sz="1100" b="0" dirty="0">
+                <a:solidFill>
                   <a:srgbClr val="569CD6"/>
                 </a:solidFill>
                 <a:effectLst/>
                 <a:latin typeface="Consolas" panose="020B0609020204030204" pitchFamily="49" charset="0"/>
               </a:rPr>
-              <a:t>style</a:t>
+              <a:t>class</a:t>
             </a:r>
             <a:r>
               <a:rPr lang="en-US" altLang="ko-KR" sz="1100" b="0" dirty="0">
@@ -14570,7 +14525,7 @@
                 <a:effectLst/>
                 <a:latin typeface="Consolas" panose="020B0609020204030204" pitchFamily="49" charset="0"/>
               </a:rPr>
-              <a:t>"margin-bottom: 5px;"</a:t>
+              <a:t>“fa-solid fa-plus symbol-icon”</a:t>
             </a:r>
             <a:r>
               <a:rPr lang="en-US" altLang="ko-KR" sz="1100" b="0" dirty="0">
@@ -14580,10 +14535,18 @@
                 <a:effectLst/>
                 <a:latin typeface="Consolas" panose="020B0609020204030204" pitchFamily="49" charset="0"/>
               </a:rPr>
-              <a:t>&gt;4.5&lt;/h1&gt;</a:t>
-            </a:r>
-          </a:p>
-          <a:p>
+              <a:t>&gt;&lt;/</a:t>
+            </a:r>
+            <a:r>
+              <a:rPr lang="en-US" altLang="ko-KR" sz="1100" b="0" dirty="0" err="1">
+                <a:solidFill>
+                  <a:srgbClr val="D4D4D4"/>
+                </a:solidFill>
+                <a:effectLst/>
+                <a:latin typeface="Consolas" panose="020B0609020204030204" pitchFamily="49" charset="0"/>
+              </a:rPr>
+              <a:t>i</a:t>
+            </a:r>
             <a:r>
               <a:rPr lang="en-US" altLang="ko-KR" sz="1100" b="0" dirty="0">
                 <a:solidFill>
@@ -14592,7 +14555,17 @@
                 <a:effectLst/>
                 <a:latin typeface="Consolas" panose="020B0609020204030204" pitchFamily="49" charset="0"/>
               </a:rPr>
-              <a:t>                    </a:t>
+              <a:t>&gt;&lt;/h1&gt; &lt;span </a:t>
+            </a:r>
+            <a:r>
+              <a:rPr lang="en-US" altLang="ko-KR" sz="1100" b="0" dirty="0">
+                <a:solidFill>
+                  <a:srgbClr val="569CD6"/>
+                </a:solidFill>
+                <a:effectLst/>
+                <a:latin typeface="Consolas" panose="020B0609020204030204" pitchFamily="49" charset="0"/>
+              </a:rPr>
+              <a:t>class</a:t>
             </a:r>
             <a:r>
               <a:rPr lang="ko-KR" altLang="en-US" sz="1100" b="0" dirty="0">
@@ -14602,17 +14575,7 @@
                 <a:effectLst/>
                 <a:latin typeface="Consolas" panose="020B0609020204030204" pitchFamily="49" charset="0"/>
               </a:rPr>
-              <a:t>평균 </a:t>
-            </a:r>
-            <a:r>
-              <a:rPr lang="ko-KR" altLang="en-US" sz="1100" b="0" dirty="0" err="1">
-                <a:solidFill>
-                  <a:srgbClr val="D4D4D4"/>
-                </a:solidFill>
-                <a:effectLst/>
-                <a:latin typeface="Consolas" panose="020B0609020204030204" pitchFamily="49" charset="0"/>
-              </a:rPr>
-              <a:t>별점</a:t>
+              <a:t> </a:t>
             </a:r>
             <a:r>
               <a:rPr lang="en-US" altLang="ko-KR" sz="1100" b="0" dirty="0">
@@ -14622,7 +14585,27 @@
                 <a:effectLst/>
                 <a:latin typeface="Consolas" panose="020B0609020204030204" pitchFamily="49" charset="0"/>
               </a:rPr>
-              <a:t>(2</a:t>
+              <a:t>= </a:t>
+            </a:r>
+            <a:r>
+              <a:rPr lang="en-US" altLang="ko-KR" sz="1100" b="0" dirty="0">
+                <a:solidFill>
+                  <a:srgbClr val="CE9178"/>
+                </a:solidFill>
+                <a:effectLst/>
+                <a:latin typeface="Consolas" panose="020B0609020204030204" pitchFamily="49" charset="0"/>
+              </a:rPr>
+              <a:t>“icon-descript”</a:t>
+            </a:r>
+            <a:r>
+              <a:rPr lang="en-US" altLang="ko-KR" sz="1100" b="0" dirty="0">
+                <a:solidFill>
+                  <a:srgbClr val="D4D4D4"/>
+                </a:solidFill>
+                <a:effectLst/>
+                <a:latin typeface="Consolas" panose="020B0609020204030204" pitchFamily="49" charset="0"/>
+              </a:rPr>
+              <a:t>&gt;</a:t>
             </a:r>
             <a:r>
               <a:rPr lang="ko-KR" altLang="en-US" sz="1100" b="0" dirty="0">
@@ -14632,7 +14615,7 @@
                 <a:effectLst/>
                 <a:latin typeface="Consolas" panose="020B0609020204030204" pitchFamily="49" charset="0"/>
               </a:rPr>
-              <a:t>만명</a:t>
+              <a:t>보고싶어요</a:t>
             </a:r>
             <a:r>
               <a:rPr lang="en-US" altLang="ko-KR" sz="1100" b="0" dirty="0">
@@ -14642,7 +14625,7 @@
                 <a:effectLst/>
                 <a:latin typeface="Consolas" panose="020B0609020204030204" pitchFamily="49" charset="0"/>
               </a:rPr>
-              <a:t>)</a:t>
+              <a:t>&lt;/span&gt;</a:t>
             </a:r>
           </a:p>
           <a:p>
@@ -14654,22 +14637,18 @@
                 <a:effectLst/>
                 <a:latin typeface="Consolas" panose="020B0609020204030204" pitchFamily="49" charset="0"/>
               </a:rPr>
-              <a:t>                &lt;/div&gt;</a:t>
-            </a:r>
-          </a:p>
-          <a:p>
+              <a:t>                &lt;h1&gt;&lt;I </a:t>
+            </a:r>
             <a:r>
               <a:rPr lang="en-US" altLang="ko-KR" sz="1100" b="0" dirty="0">
                 <a:solidFill>
-                  <a:srgbClr val="D4D4D4"/>
-                </a:solidFill>
-                <a:effectLst/>
-                <a:latin typeface="Consolas" panose="020B0609020204030204" pitchFamily="49" charset="0"/>
-              </a:rPr>
-              <a:t>            &lt;/div&gt;</a:t>
-            </a:r>
-          </a:p>
-          <a:p>
+                  <a:srgbClr val="569CD6"/>
+                </a:solidFill>
+                <a:effectLst/>
+                <a:latin typeface="Consolas" panose="020B0609020204030204" pitchFamily="49" charset="0"/>
+              </a:rPr>
+              <a:t>class</a:t>
+            </a:r>
             <a:r>
               <a:rPr lang="en-US" altLang="ko-KR" sz="1100" b="0" dirty="0">
                 <a:solidFill>
@@ -14678,17 +14657,67 @@
                 <a:effectLst/>
                 <a:latin typeface="Consolas" panose="020B0609020204030204" pitchFamily="49" charset="0"/>
               </a:rPr>
-              <a:t>            &lt;div </a:t>
+              <a:t>=</a:t>
             </a:r>
             <a:r>
               <a:rPr lang="en-US" altLang="ko-KR" sz="1100" b="0" dirty="0">
                 <a:solidFill>
+                  <a:srgbClr val="CE9178"/>
+                </a:solidFill>
+                <a:effectLst/>
+                <a:latin typeface="Consolas" panose="020B0609020204030204" pitchFamily="49" charset="0"/>
+              </a:rPr>
+              <a:t>“fa-solid fa-pen symbol-icon”</a:t>
+            </a:r>
+            <a:r>
+              <a:rPr lang="en-US" altLang="ko-KR" sz="1100" b="0" dirty="0">
+                <a:solidFill>
+                  <a:srgbClr val="D4D4D4"/>
+                </a:solidFill>
+                <a:effectLst/>
+                <a:latin typeface="Consolas" panose="020B0609020204030204" pitchFamily="49" charset="0"/>
+              </a:rPr>
+              <a:t>&gt;&lt;/</a:t>
+            </a:r>
+            <a:r>
+              <a:rPr lang="en-US" altLang="ko-KR" sz="1100" b="0" dirty="0" err="1">
+                <a:solidFill>
+                  <a:srgbClr val="D4D4D4"/>
+                </a:solidFill>
+                <a:effectLst/>
+                <a:latin typeface="Consolas" panose="020B0609020204030204" pitchFamily="49" charset="0"/>
+              </a:rPr>
+              <a:t>i</a:t>
+            </a:r>
+            <a:r>
+              <a:rPr lang="en-US" altLang="ko-KR" sz="1100" b="0" dirty="0">
+                <a:solidFill>
+                  <a:srgbClr val="D4D4D4"/>
+                </a:solidFill>
+                <a:effectLst/>
+                <a:latin typeface="Consolas" panose="020B0609020204030204" pitchFamily="49" charset="0"/>
+              </a:rPr>
+              <a:t>&gt;&lt;/h1&gt; &lt;span </a:t>
+            </a:r>
+            <a:r>
+              <a:rPr lang="en-US" altLang="ko-KR" sz="1100" b="0" dirty="0">
+                <a:solidFill>
                   <a:srgbClr val="569CD6"/>
                 </a:solidFill>
                 <a:effectLst/>
                 <a:latin typeface="Consolas" panose="020B0609020204030204" pitchFamily="49" charset="0"/>
               </a:rPr>
-              <a:t>style</a:t>
+              <a:t>class</a:t>
+            </a:r>
+            <a:r>
+              <a:rPr lang="ko-KR" altLang="en-US" sz="1100" b="0" dirty="0">
+                <a:solidFill>
+                  <a:srgbClr val="D4D4D4"/>
+                </a:solidFill>
+                <a:effectLst/>
+                <a:latin typeface="Consolas" panose="020B0609020204030204" pitchFamily="49" charset="0"/>
+              </a:rPr>
+              <a:t> </a:t>
             </a:r>
             <a:r>
               <a:rPr lang="en-US" altLang="ko-KR" sz="1100" b="0" dirty="0">
@@ -14698,7 +14727,7 @@
                 <a:effectLst/>
                 <a:latin typeface="Consolas" panose="020B0609020204030204" pitchFamily="49" charset="0"/>
               </a:rPr>
-              <a:t>=</a:t>
+              <a:t>= </a:t>
             </a:r>
             <a:r>
               <a:rPr lang="en-US" altLang="ko-KR" sz="1100" b="0" dirty="0">
@@ -14708,311 +14737,7 @@
                 <a:effectLst/>
                 <a:latin typeface="Consolas" panose="020B0609020204030204" pitchFamily="49" charset="0"/>
               </a:rPr>
-              <a:t>"display: flex; align-items: center;"</a:t>
-            </a:r>
-            <a:r>
-              <a:rPr lang="en-US" altLang="ko-KR" sz="1100" b="0" dirty="0">
-                <a:solidFill>
-                  <a:srgbClr val="D4D4D4"/>
-                </a:solidFill>
-                <a:effectLst/>
-                <a:latin typeface="Consolas" panose="020B0609020204030204" pitchFamily="49" charset="0"/>
-              </a:rPr>
-              <a:t>&gt;</a:t>
-            </a:r>
-          </a:p>
-          <a:p>
-            <a:r>
-              <a:rPr lang="en-US" altLang="ko-KR" sz="1100" b="0" dirty="0">
-                <a:solidFill>
-                  <a:srgbClr val="D4D4D4"/>
-                </a:solidFill>
-                <a:effectLst/>
-                <a:latin typeface="Consolas" panose="020B0609020204030204" pitchFamily="49" charset="0"/>
-              </a:rPr>
-              <a:t>                &lt;h1&gt;&lt;</a:t>
-            </a:r>
-            <a:r>
-              <a:rPr lang="en-US" altLang="ko-KR" sz="1100" b="0" dirty="0" err="1">
-                <a:solidFill>
-                  <a:srgbClr val="D4D4D4"/>
-                </a:solidFill>
-                <a:effectLst/>
-                <a:latin typeface="Consolas" panose="020B0609020204030204" pitchFamily="49" charset="0"/>
-              </a:rPr>
-              <a:t>i</a:t>
-            </a:r>
-            <a:r>
-              <a:rPr lang="en-US" altLang="ko-KR" sz="1100" b="0" dirty="0">
-                <a:solidFill>
-                  <a:srgbClr val="D4D4D4"/>
-                </a:solidFill>
-                <a:effectLst/>
-                <a:latin typeface="Consolas" panose="020B0609020204030204" pitchFamily="49" charset="0"/>
-              </a:rPr>
-              <a:t> </a:t>
-            </a:r>
-            <a:r>
-              <a:rPr lang="en-US" altLang="ko-KR" sz="1100" b="0" dirty="0">
-                <a:solidFill>
-                  <a:srgbClr val="569CD6"/>
-                </a:solidFill>
-                <a:effectLst/>
-                <a:latin typeface="Consolas" panose="020B0609020204030204" pitchFamily="49" charset="0"/>
-              </a:rPr>
-              <a:t>class</a:t>
-            </a:r>
-            <a:r>
-              <a:rPr lang="en-US" altLang="ko-KR" sz="1100" b="0" dirty="0">
-                <a:solidFill>
-                  <a:srgbClr val="D4D4D4"/>
-                </a:solidFill>
-                <a:effectLst/>
-                <a:latin typeface="Consolas" panose="020B0609020204030204" pitchFamily="49" charset="0"/>
-              </a:rPr>
-              <a:t>=</a:t>
-            </a:r>
-            <a:r>
-              <a:rPr lang="en-US" altLang="ko-KR" sz="1100" b="0" dirty="0">
-                <a:solidFill>
-                  <a:srgbClr val="CE9178"/>
-                </a:solidFill>
-                <a:effectLst/>
-                <a:latin typeface="Consolas" panose="020B0609020204030204" pitchFamily="49" charset="0"/>
-              </a:rPr>
-              <a:t>"fa-solid fa-plus symbol-icon"</a:t>
-            </a:r>
-            <a:r>
-              <a:rPr lang="en-US" altLang="ko-KR" sz="1100" b="0" dirty="0">
-                <a:solidFill>
-                  <a:srgbClr val="D4D4D4"/>
-                </a:solidFill>
-                <a:effectLst/>
-                <a:latin typeface="Consolas" panose="020B0609020204030204" pitchFamily="49" charset="0"/>
-              </a:rPr>
-              <a:t>&gt;&lt;/</a:t>
-            </a:r>
-            <a:r>
-              <a:rPr lang="en-US" altLang="ko-KR" sz="1100" b="0" dirty="0" err="1">
-                <a:solidFill>
-                  <a:srgbClr val="D4D4D4"/>
-                </a:solidFill>
-                <a:effectLst/>
-                <a:latin typeface="Consolas" panose="020B0609020204030204" pitchFamily="49" charset="0"/>
-              </a:rPr>
-              <a:t>i</a:t>
-            </a:r>
-            <a:r>
-              <a:rPr lang="en-US" altLang="ko-KR" sz="1100" b="0" dirty="0">
-                <a:solidFill>
-                  <a:srgbClr val="D4D4D4"/>
-                </a:solidFill>
-                <a:effectLst/>
-                <a:latin typeface="Consolas" panose="020B0609020204030204" pitchFamily="49" charset="0"/>
-              </a:rPr>
-              <a:t>&gt;&lt;/h1&gt; &lt;span </a:t>
-            </a:r>
-            <a:r>
-              <a:rPr lang="en-US" altLang="ko-KR" sz="1100" b="0" dirty="0">
-                <a:solidFill>
-                  <a:srgbClr val="569CD6"/>
-                </a:solidFill>
-                <a:effectLst/>
-                <a:latin typeface="Consolas" panose="020B0609020204030204" pitchFamily="49" charset="0"/>
-              </a:rPr>
-              <a:t>class</a:t>
-            </a:r>
-            <a:r>
-              <a:rPr lang="ko-KR" altLang="en-US" sz="1100" b="0" dirty="0">
-                <a:solidFill>
-                  <a:srgbClr val="D4D4D4"/>
-                </a:solidFill>
-                <a:effectLst/>
-                <a:latin typeface="Consolas" panose="020B0609020204030204" pitchFamily="49" charset="0"/>
-              </a:rPr>
-              <a:t> </a:t>
-            </a:r>
-            <a:r>
-              <a:rPr lang="en-US" altLang="ko-KR" sz="1100" b="0" dirty="0">
-                <a:solidFill>
-                  <a:srgbClr val="D4D4D4"/>
-                </a:solidFill>
-                <a:effectLst/>
-                <a:latin typeface="Consolas" panose="020B0609020204030204" pitchFamily="49" charset="0"/>
-              </a:rPr>
-              <a:t>= </a:t>
-            </a:r>
-            <a:r>
-              <a:rPr lang="en-US" altLang="ko-KR" sz="1100" b="0" dirty="0">
-                <a:solidFill>
-                  <a:srgbClr val="CE9178"/>
-                </a:solidFill>
-                <a:effectLst/>
-                <a:latin typeface="Consolas" panose="020B0609020204030204" pitchFamily="49" charset="0"/>
-              </a:rPr>
-              <a:t>"icon-descript"</a:t>
-            </a:r>
-            <a:r>
-              <a:rPr lang="en-US" altLang="ko-KR" sz="1100" b="0" dirty="0">
-                <a:solidFill>
-                  <a:srgbClr val="D4D4D4"/>
-                </a:solidFill>
-                <a:effectLst/>
-                <a:latin typeface="Consolas" panose="020B0609020204030204" pitchFamily="49" charset="0"/>
-              </a:rPr>
-              <a:t>&gt;</a:t>
-            </a:r>
-            <a:r>
-              <a:rPr lang="ko-KR" altLang="en-US" sz="1100" b="0" dirty="0">
-                <a:solidFill>
-                  <a:srgbClr val="D4D4D4"/>
-                </a:solidFill>
-                <a:effectLst/>
-                <a:latin typeface="Consolas" panose="020B0609020204030204" pitchFamily="49" charset="0"/>
-              </a:rPr>
-              <a:t>보고싶어요</a:t>
-            </a:r>
-            <a:r>
-              <a:rPr lang="en-US" altLang="ko-KR" sz="1100" b="0" dirty="0">
-                <a:solidFill>
-                  <a:srgbClr val="D4D4D4"/>
-                </a:solidFill>
-                <a:effectLst/>
-                <a:latin typeface="Consolas" panose="020B0609020204030204" pitchFamily="49" charset="0"/>
-              </a:rPr>
-              <a:t>&lt;/span&gt;</a:t>
-            </a:r>
-          </a:p>
-          <a:p>
-            <a:r>
-              <a:rPr lang="en-US" altLang="ko-KR" sz="1100" b="0" dirty="0">
-                <a:solidFill>
-                  <a:srgbClr val="D4D4D4"/>
-                </a:solidFill>
-                <a:effectLst/>
-                <a:latin typeface="Consolas" panose="020B0609020204030204" pitchFamily="49" charset="0"/>
-              </a:rPr>
-              <a:t>                &lt;h1&gt;&lt;</a:t>
-            </a:r>
-            <a:r>
-              <a:rPr lang="en-US" altLang="ko-KR" sz="1100" b="0" dirty="0" err="1">
-                <a:solidFill>
-                  <a:srgbClr val="D4D4D4"/>
-                </a:solidFill>
-                <a:effectLst/>
-                <a:latin typeface="Consolas" panose="020B0609020204030204" pitchFamily="49" charset="0"/>
-              </a:rPr>
-              <a:t>i</a:t>
-            </a:r>
-            <a:r>
-              <a:rPr lang="en-US" altLang="ko-KR" sz="1100" b="0" dirty="0">
-                <a:solidFill>
-                  <a:srgbClr val="D4D4D4"/>
-                </a:solidFill>
-                <a:effectLst/>
-                <a:latin typeface="Consolas" panose="020B0609020204030204" pitchFamily="49" charset="0"/>
-              </a:rPr>
-              <a:t> </a:t>
-            </a:r>
-            <a:r>
-              <a:rPr lang="en-US" altLang="ko-KR" sz="1100" b="0" dirty="0">
-                <a:solidFill>
-                  <a:srgbClr val="569CD6"/>
-                </a:solidFill>
-                <a:effectLst/>
-                <a:latin typeface="Consolas" panose="020B0609020204030204" pitchFamily="49" charset="0"/>
-              </a:rPr>
-              <a:t>class</a:t>
-            </a:r>
-            <a:r>
-              <a:rPr lang="en-US" altLang="ko-KR" sz="1100" b="0" dirty="0">
-                <a:solidFill>
-                  <a:srgbClr val="D4D4D4"/>
-                </a:solidFill>
-                <a:effectLst/>
-                <a:latin typeface="Consolas" panose="020B0609020204030204" pitchFamily="49" charset="0"/>
-              </a:rPr>
-              <a:t>=</a:t>
-            </a:r>
-            <a:r>
-              <a:rPr lang="en-US" altLang="ko-KR" sz="1100" b="0" dirty="0">
-                <a:solidFill>
-                  <a:srgbClr val="CE9178"/>
-                </a:solidFill>
-                <a:effectLst/>
-                <a:latin typeface="Consolas" panose="020B0609020204030204" pitchFamily="49" charset="0"/>
-              </a:rPr>
-              <a:t>"fa-solid fa-pen symbol-icon"</a:t>
-            </a:r>
-            <a:r>
-              <a:rPr lang="en-US" altLang="ko-KR" sz="1100" b="0" dirty="0">
-                <a:solidFill>
-                  <a:srgbClr val="D4D4D4"/>
-                </a:solidFill>
-                <a:effectLst/>
-                <a:latin typeface="Consolas" panose="020B0609020204030204" pitchFamily="49" charset="0"/>
-              </a:rPr>
-              <a:t>&gt;&lt;/</a:t>
-            </a:r>
-            <a:r>
-              <a:rPr lang="en-US" altLang="ko-KR" sz="1100" b="0" dirty="0" err="1">
-                <a:solidFill>
-                  <a:srgbClr val="D4D4D4"/>
-                </a:solidFill>
-                <a:effectLst/>
-                <a:latin typeface="Consolas" panose="020B0609020204030204" pitchFamily="49" charset="0"/>
-              </a:rPr>
-              <a:t>i</a:t>
-            </a:r>
-            <a:r>
-              <a:rPr lang="en-US" altLang="ko-KR" sz="1100" b="0" dirty="0">
-                <a:solidFill>
-                  <a:srgbClr val="D4D4D4"/>
-                </a:solidFill>
-                <a:effectLst/>
-                <a:latin typeface="Consolas" panose="020B0609020204030204" pitchFamily="49" charset="0"/>
-              </a:rPr>
-              <a:t>&gt;&lt;/h1&gt; &lt;span </a:t>
-            </a:r>
-            <a:r>
-              <a:rPr lang="en-US" altLang="ko-KR" sz="1100" b="0" dirty="0">
-                <a:solidFill>
-                  <a:srgbClr val="569CD6"/>
-                </a:solidFill>
-                <a:effectLst/>
-                <a:latin typeface="Consolas" panose="020B0609020204030204" pitchFamily="49" charset="0"/>
-              </a:rPr>
-              <a:t>class</a:t>
-            </a:r>
-            <a:r>
-              <a:rPr lang="ko-KR" altLang="en-US" sz="1100" b="0" dirty="0">
-                <a:solidFill>
-                  <a:srgbClr val="D4D4D4"/>
-                </a:solidFill>
-                <a:effectLst/>
-                <a:latin typeface="Consolas" panose="020B0609020204030204" pitchFamily="49" charset="0"/>
-              </a:rPr>
-              <a:t> </a:t>
-            </a:r>
-            <a:r>
-              <a:rPr lang="en-US" altLang="ko-KR" sz="1100" b="0" dirty="0">
-                <a:solidFill>
-                  <a:srgbClr val="D4D4D4"/>
-                </a:solidFill>
-                <a:effectLst/>
-                <a:latin typeface="Consolas" panose="020B0609020204030204" pitchFamily="49" charset="0"/>
-              </a:rPr>
-              <a:t>= </a:t>
-            </a:r>
-            <a:r>
-              <a:rPr lang="en-US" altLang="ko-KR" sz="1100" b="0" dirty="0">
-                <a:solidFill>
-                  <a:srgbClr val="CE9178"/>
-                </a:solidFill>
-                <a:effectLst/>
-                <a:latin typeface="Consolas" panose="020B0609020204030204" pitchFamily="49" charset="0"/>
-              </a:rPr>
-              <a:t>"icon-descript"</a:t>
+              <a:t>“icon-descript”</a:t>
             </a:r>
             <a:r>
               <a:rPr lang="en-US" altLang="ko-KR" sz="1100" b="0" dirty="0">
@@ -15854,7 +15579,7 @@
         <p:spPr>
           <a:xfrm>
             <a:off x="6096000" y="1689874"/>
-            <a:ext cx="6095999" cy="4339650"/>
+            <a:ext cx="6095999" cy="4154984"/>
           </a:xfrm>
           <a:prstGeom prst="rect">
             <a:avLst/>
@@ -15979,46 +15704,6 @@
             <a:r>
               <a:rPr lang="en-US" altLang="ko-KR" sz="1200" b="0" dirty="0">
                 <a:solidFill>
-                  <a:srgbClr val="D4D4D4"/>
-                </a:solidFill>
-                <a:effectLst/>
-                <a:latin typeface="Consolas" panose="020B0609020204030204" pitchFamily="49" charset="0"/>
-              </a:rPr>
-              <a:t> </a:t>
-            </a:r>
-            <a:r>
-              <a:rPr lang="en-US" altLang="ko-KR" sz="1200" b="0" dirty="0">
-                <a:solidFill>
-                  <a:srgbClr val="9CDCFE"/>
-                </a:solidFill>
-                <a:effectLst/>
-                <a:latin typeface="Consolas" panose="020B0609020204030204" pitchFamily="49" charset="0"/>
-              </a:rPr>
-              <a:t>style</a:t>
-            </a:r>
-            <a:r>
-              <a:rPr lang="en-US" altLang="ko-KR" sz="1200" b="0" dirty="0">
-                <a:solidFill>
-                  <a:srgbClr val="D4D4D4"/>
-                </a:solidFill>
-                <a:effectLst/>
-                <a:latin typeface="Consolas" panose="020B0609020204030204" pitchFamily="49" charset="0"/>
-              </a:rPr>
-              <a:t>=</a:t>
-            </a:r>
-            <a:r>
-              <a:rPr lang="en-US" altLang="ko-KR" sz="1200" b="0" dirty="0">
-                <a:solidFill>
-                  <a:srgbClr val="CE9178"/>
-                </a:solidFill>
-                <a:effectLst/>
-                <a:latin typeface="Consolas" panose="020B0609020204030204" pitchFamily="49" charset="0"/>
-              </a:rPr>
-              <a:t>"margin-bottom: 0px; padding-top: 100px;"</a:t>
-            </a:r>
-            <a:r>
-              <a:rPr lang="en-US" altLang="ko-KR" sz="1200" b="0" dirty="0">
-                <a:solidFill>
                   <a:srgbClr val="808080"/>
                 </a:solidFill>
                 <a:effectLst/>
@@ -16213,46 +15898,6 @@
                 <a:latin typeface="Consolas" panose="020B0609020204030204" pitchFamily="49" charset="0"/>
               </a:rPr>
               <a:t>ul</a:t>
-            </a:r>
-            <a:r>
-              <a:rPr lang="en-US" altLang="ko-KR" sz="1200" b="0" dirty="0">
-                <a:solidFill>
-                  <a:srgbClr val="D4D4D4"/>
-                </a:solidFill>
-                <a:effectLst/>
-                <a:latin typeface="Consolas" panose="020B0609020204030204" pitchFamily="49" charset="0"/>
-              </a:rPr>
-              <a:t> </a:t>
-            </a:r>
-            <a:r>
-              <a:rPr lang="en-US" altLang="ko-KR" sz="1200" b="0" dirty="0">
-                <a:solidFill>
-                  <a:srgbClr val="9CDCFE"/>
-                </a:solidFill>
-                <a:effectLst/>
-                <a:latin typeface="Consolas" panose="020B0609020204030204" pitchFamily="49" charset="0"/>
-              </a:rPr>
-              <a:t>style</a:t>
-            </a:r>
-            <a:r>
-              <a:rPr lang="en-US" altLang="ko-KR" sz="1200" b="0" dirty="0">
-                <a:solidFill>
-                  <a:srgbClr val="D4D4D4"/>
-                </a:solidFill>
-                <a:effectLst/>
-                <a:latin typeface="Consolas" panose="020B0609020204030204" pitchFamily="49" charset="0"/>
-              </a:rPr>
-              <a:t>=</a:t>
-            </a:r>
-            <a:r>
-              <a:rPr lang="en-US" altLang="ko-KR" sz="1200" b="0" dirty="0">
-                <a:solidFill>
-                  <a:srgbClr val="CE9178"/>
-                </a:solidFill>
-                <a:effectLst/>
-                <a:latin typeface="Consolas" panose="020B0609020204030204" pitchFamily="49" charset="0"/>
-              </a:rPr>
-              <a:t>"display: flex; flex-wrap: wrap; justify-content: flex-start;"</a:t>
             </a:r>
             <a:r>
               <a:rPr lang="en-US" altLang="ko-KR" sz="1200" b="0" dirty="0">
@@ -18220,6 +17865,28 @@
               <a:t>"comment"</a:t>
             </a:r>
             <a:r>
+              <a:rPr lang="en-US" altLang="ko-KR" sz="1200" b="0" dirty="0">
+                <a:solidFill>
+                  <a:srgbClr val="D4D4D4"/>
+                </a:solidFill>
+                <a:effectLst/>
+                <a:latin typeface="Consolas" panose="020B0609020204030204" pitchFamily="49" charset="0"/>
+              </a:rPr>
+              <a:t>&gt;</a:t>
+            </a:r>
+          </a:p>
+          <a:p>
+            <a:r>
+              <a:rPr lang="en-US" altLang="ko-KR" sz="1200" b="0" dirty="0">
+                <a:solidFill>
+                  <a:srgbClr val="D4D4D4"/>
+                </a:solidFill>
+                <a:effectLst/>
+                <a:latin typeface="Consolas" panose="020B0609020204030204" pitchFamily="49" charset="0"/>
+              </a:rPr>
+              <a:t>  &lt;h2&gt;</a:t>
+            </a:r>
+            <a:r>
               <a:rPr lang="ko-KR" altLang="en-US" sz="1200" b="0" dirty="0">
                 <a:solidFill>
                   <a:srgbClr val="D4D4D4"/>
@@ -18227,17 +17894,247 @@
                 <a:effectLst/>
                 <a:latin typeface="Consolas" panose="020B0609020204030204" pitchFamily="49" charset="0"/>
               </a:rPr>
+              <a:t>코멘트 </a:t>
+            </a:r>
+            <a:r>
+              <a:rPr lang="en-US" altLang="ko-KR" sz="1200" b="0" dirty="0">
+                <a:solidFill>
+                  <a:srgbClr val="D4D4D4"/>
+                </a:solidFill>
+                <a:effectLst/>
+                <a:latin typeface="Consolas" panose="020B0609020204030204" pitchFamily="49" charset="0"/>
+              </a:rPr>
+              <a:t>&lt;span&gt;250+&lt;/span&gt;&lt;/h2&gt;</a:t>
+            </a:r>
+          </a:p>
+          <a:p>
+            <a:r>
+              <a:rPr lang="en-US" altLang="ko-KR" sz="1200" b="0" dirty="0">
+                <a:solidFill>
+                  <a:srgbClr val="D4D4D4"/>
+                </a:solidFill>
+                <a:effectLst/>
+                <a:latin typeface="Consolas" panose="020B0609020204030204" pitchFamily="49" charset="0"/>
+              </a:rPr>
+              <a:t>  &lt;div </a:t>
+            </a:r>
+            <a:r>
+              <a:rPr lang="en-US" altLang="ko-KR" sz="1200" b="0" dirty="0">
+                <a:solidFill>
+                  <a:srgbClr val="569CD6"/>
+                </a:solidFill>
+                <a:effectLst/>
+                <a:latin typeface="Consolas" panose="020B0609020204030204" pitchFamily="49" charset="0"/>
+              </a:rPr>
+              <a:t>class</a:t>
+            </a:r>
+            <a:r>
+              <a:rPr lang="en-US" altLang="ko-KR" sz="1200" b="0" dirty="0">
+                <a:solidFill>
+                  <a:srgbClr val="D4D4D4"/>
+                </a:solidFill>
+                <a:effectLst/>
+                <a:latin typeface="Consolas" panose="020B0609020204030204" pitchFamily="49" charset="0"/>
+              </a:rPr>
+              <a:t>=</a:t>
+            </a:r>
+            <a:r>
+              <a:rPr lang="en-US" altLang="ko-KR" sz="1200" b="0" dirty="0">
+                <a:solidFill>
+                  <a:srgbClr val="CE9178"/>
+                </a:solidFill>
+                <a:effectLst/>
+                <a:latin typeface="Consolas" panose="020B0609020204030204" pitchFamily="49" charset="0"/>
+              </a:rPr>
+              <a:t>"comment-div"</a:t>
+            </a:r>
+            <a:r>
+              <a:rPr lang="en-US" altLang="ko-KR" sz="1200" b="0" dirty="0">
+                <a:solidFill>
+                  <a:srgbClr val="D4D4D4"/>
+                </a:solidFill>
+                <a:effectLst/>
+                <a:latin typeface="Consolas" panose="020B0609020204030204" pitchFamily="49" charset="0"/>
+              </a:rPr>
+              <a:t>&gt;</a:t>
+            </a:r>
+          </a:p>
+          <a:p>
+            <a:r>
+              <a:rPr lang="en-US" altLang="ko-KR" sz="1200" b="0" dirty="0">
+                <a:solidFill>
+                  <a:srgbClr val="D4D4D4"/>
+                </a:solidFill>
+                <a:effectLst/>
+                <a:latin typeface="Consolas" panose="020B0609020204030204" pitchFamily="49" charset="0"/>
+              </a:rPr>
+              <a:t>      &lt;</a:t>
+            </a:r>
+            <a:r>
+              <a:rPr lang="en-US" altLang="ko-KR" sz="1200" b="0" dirty="0" err="1">
+                <a:solidFill>
+                  <a:srgbClr val="D4D4D4"/>
+                </a:solidFill>
+                <a:effectLst/>
+                <a:latin typeface="Consolas" panose="020B0609020204030204" pitchFamily="49" charset="0"/>
+              </a:rPr>
+              <a:t>ul</a:t>
+            </a:r>
+            <a:r>
+              <a:rPr lang="en-US" altLang="ko-KR" sz="1200" b="0" dirty="0">
+                <a:solidFill>
+                  <a:srgbClr val="D4D4D4"/>
+                </a:solidFill>
+                <a:effectLst/>
+                <a:latin typeface="Consolas" panose="020B0609020204030204" pitchFamily="49" charset="0"/>
+              </a:rPr>
+              <a:t>&gt;</a:t>
+            </a:r>
+          </a:p>
+          <a:p>
+            <a:r>
+              <a:rPr lang="en-US" altLang="ko-KR" sz="1200" b="0" dirty="0">
+                <a:solidFill>
+                  <a:srgbClr val="D4D4D4"/>
+                </a:solidFill>
+                <a:effectLst/>
+                <a:latin typeface="Consolas" panose="020B0609020204030204" pitchFamily="49" charset="0"/>
+              </a:rPr>
+              <a:t>          &lt;li </a:t>
+            </a:r>
+            <a:r>
+              <a:rPr lang="en-US" altLang="ko-KR" sz="1200" b="0" dirty="0">
+                <a:solidFill>
+                  <a:srgbClr val="569CD6"/>
+                </a:solidFill>
+                <a:effectLst/>
+                <a:latin typeface="Consolas" panose="020B0609020204030204" pitchFamily="49" charset="0"/>
+              </a:rPr>
+              <a:t>class</a:t>
+            </a:r>
+            <a:r>
+              <a:rPr lang="ko-KR" altLang="en-US" sz="1200" b="0" dirty="0">
+                <a:solidFill>
+                  <a:srgbClr val="D4D4D4"/>
+                </a:solidFill>
+                <a:effectLst/>
+                <a:latin typeface="Consolas" panose="020B0609020204030204" pitchFamily="49" charset="0"/>
+              </a:rPr>
               <a:t> </a:t>
             </a:r>
             <a:r>
               <a:rPr lang="en-US" altLang="ko-KR" sz="1200" b="0" dirty="0">
                 <a:solidFill>
+                  <a:srgbClr val="D4D4D4"/>
+                </a:solidFill>
+                <a:effectLst/>
+                <a:latin typeface="Consolas" panose="020B0609020204030204" pitchFamily="49" charset="0"/>
+              </a:rPr>
+              <a:t>= </a:t>
+            </a:r>
+            <a:r>
+              <a:rPr lang="en-US" altLang="ko-KR" sz="1200" b="0" dirty="0">
+                <a:solidFill>
+                  <a:srgbClr val="CE9178"/>
+                </a:solidFill>
+                <a:effectLst/>
+                <a:latin typeface="Consolas" panose="020B0609020204030204" pitchFamily="49" charset="0"/>
+              </a:rPr>
+              <a:t>"review-li"</a:t>
+            </a:r>
+            <a:r>
+              <a:rPr lang="en-US" altLang="ko-KR" sz="1200" b="0" dirty="0">
+                <a:solidFill>
+                  <a:srgbClr val="D4D4D4"/>
+                </a:solidFill>
+                <a:effectLst/>
+                <a:latin typeface="Consolas" panose="020B0609020204030204" pitchFamily="49" charset="0"/>
+              </a:rPr>
+              <a:t>&gt;</a:t>
+            </a:r>
+          </a:p>
+          <a:p>
+            <a:r>
+              <a:rPr lang="en-US" altLang="ko-KR" sz="1200" b="0" dirty="0">
+                <a:solidFill>
+                  <a:srgbClr val="D4D4D4"/>
+                </a:solidFill>
+                <a:effectLst/>
+                <a:latin typeface="Consolas" panose="020B0609020204030204" pitchFamily="49" charset="0"/>
+              </a:rPr>
+              <a:t>              &lt;div </a:t>
+            </a:r>
+            <a:r>
+              <a:rPr lang="en-US" altLang="ko-KR" sz="1200" b="0" dirty="0">
+                <a:solidFill>
                   <a:srgbClr val="569CD6"/>
                 </a:solidFill>
                 <a:effectLst/>
                 <a:latin typeface="Consolas" panose="020B0609020204030204" pitchFamily="49" charset="0"/>
               </a:rPr>
-              <a:t>style</a:t>
+              <a:t>class</a:t>
+            </a:r>
+            <a:r>
+              <a:rPr lang="ko-KR" altLang="en-US" sz="1200" b="0" dirty="0">
+                <a:solidFill>
+                  <a:srgbClr val="D4D4D4"/>
+                </a:solidFill>
+                <a:effectLst/>
+                <a:latin typeface="Consolas" panose="020B0609020204030204" pitchFamily="49" charset="0"/>
+              </a:rPr>
+              <a:t> </a:t>
+            </a:r>
+            <a:r>
+              <a:rPr lang="en-US" altLang="ko-KR" sz="1200" b="0" dirty="0">
+                <a:solidFill>
+                  <a:srgbClr val="D4D4D4"/>
+                </a:solidFill>
+                <a:effectLst/>
+                <a:latin typeface="Consolas" panose="020B0609020204030204" pitchFamily="49" charset="0"/>
+              </a:rPr>
+              <a:t>= </a:t>
+            </a:r>
+            <a:r>
+              <a:rPr lang="en-US" altLang="ko-KR" sz="1200" b="0" dirty="0">
+                <a:solidFill>
+                  <a:srgbClr val="CE9178"/>
+                </a:solidFill>
+                <a:effectLst/>
+                <a:latin typeface="Consolas" panose="020B0609020204030204" pitchFamily="49" charset="0"/>
+              </a:rPr>
+              <a:t>"review-box"</a:t>
+            </a:r>
+            <a:r>
+              <a:rPr lang="en-US" altLang="ko-KR" sz="1200" b="0" dirty="0">
+                <a:solidFill>
+                  <a:srgbClr val="D4D4D4"/>
+                </a:solidFill>
+                <a:effectLst/>
+                <a:latin typeface="Consolas" panose="020B0609020204030204" pitchFamily="49" charset="0"/>
+              </a:rPr>
+              <a:t>&gt;</a:t>
+            </a:r>
+          </a:p>
+          <a:p>
+            <a:r>
+              <a:rPr lang="en-US" altLang="ko-KR" sz="1200" b="0" dirty="0">
+                <a:solidFill>
+                  <a:srgbClr val="D4D4D4"/>
+                </a:solidFill>
+                <a:effectLst/>
+                <a:latin typeface="Consolas" panose="020B0609020204030204" pitchFamily="49" charset="0"/>
+              </a:rPr>
+              <a:t>                  &lt;div </a:t>
+            </a:r>
+            <a:r>
+              <a:rPr lang="en-US" altLang="ko-KR" sz="1200" b="0" dirty="0">
+                <a:solidFill>
+                  <a:srgbClr val="569CD6"/>
+                </a:solidFill>
+                <a:effectLst/>
+                <a:latin typeface="Consolas" panose="020B0609020204030204" pitchFamily="49" charset="0"/>
+              </a:rPr>
+              <a:t>class</a:t>
             </a:r>
             <a:r>
               <a:rPr lang="en-US" altLang="ko-KR" sz="1200" b="0" dirty="0">
@@ -18257,7 +18154,7 @@
                 <a:effectLst/>
                 <a:latin typeface="Consolas" panose="020B0609020204030204" pitchFamily="49" charset="0"/>
               </a:rPr>
-              <a:t>"padding-top: 100px;"</a:t>
+              <a:t>"user"</a:t>
             </a:r>
             <a:r>
               <a:rPr lang="en-US" altLang="ko-KR" sz="1200" b="0" dirty="0">
@@ -18279,27 +18176,107 @@
                 <a:effectLst/>
                 <a:latin typeface="Consolas" panose="020B0609020204030204" pitchFamily="49" charset="0"/>
               </a:rPr>
-              <a:t>  &lt;h2&gt;</a:t>
+              <a:t>                      &lt;</a:t>
+            </a:r>
+            <a:r>
+              <a:rPr lang="en-US" altLang="ko-KR" sz="1200" b="0" dirty="0" err="1">
+                <a:solidFill>
+                  <a:srgbClr val="D4D4D4"/>
+                </a:solidFill>
+                <a:effectLst/>
+                <a:latin typeface="Consolas" panose="020B0609020204030204" pitchFamily="49" charset="0"/>
+              </a:rPr>
+              <a:t>img</a:t>
+            </a:r>
+            <a:r>
+              <a:rPr lang="en-US" altLang="ko-KR" sz="1200" b="0" dirty="0">
+                <a:solidFill>
+                  <a:srgbClr val="D4D4D4"/>
+                </a:solidFill>
+                <a:effectLst/>
+                <a:latin typeface="Consolas" panose="020B0609020204030204" pitchFamily="49" charset="0"/>
+              </a:rPr>
+              <a:t> </a:t>
+            </a:r>
+            <a:r>
+              <a:rPr lang="en-US" altLang="ko-KR" sz="1200" b="0" dirty="0" err="1">
+                <a:solidFill>
+                  <a:srgbClr val="569CD6"/>
+                </a:solidFill>
+                <a:effectLst/>
+                <a:latin typeface="Consolas" panose="020B0609020204030204" pitchFamily="49" charset="0"/>
+              </a:rPr>
+              <a:t>src</a:t>
+            </a:r>
+            <a:r>
+              <a:rPr lang="en-US" altLang="ko-KR" sz="1200" b="0" dirty="0">
+                <a:solidFill>
+                  <a:srgbClr val="D4D4D4"/>
+                </a:solidFill>
+                <a:effectLst/>
+                <a:latin typeface="Consolas" panose="020B0609020204030204" pitchFamily="49" charset="0"/>
+              </a:rPr>
+              <a:t>=</a:t>
+            </a:r>
+            <a:r>
+              <a:rPr lang="en-US" altLang="ko-KR" sz="1200" b="0" dirty="0">
+                <a:solidFill>
+                  <a:srgbClr val="CE9178"/>
+                </a:solidFill>
+                <a:effectLst/>
+                <a:latin typeface="Consolas" panose="020B0609020204030204" pitchFamily="49" charset="0"/>
+              </a:rPr>
+              <a:t>"./</a:t>
+            </a:r>
+            <a:r>
+              <a:rPr lang="en-US" altLang="ko-KR" sz="1200" b="0" dirty="0" err="1">
+                <a:solidFill>
+                  <a:srgbClr val="CE9178"/>
+                </a:solidFill>
+                <a:effectLst/>
+                <a:latin typeface="Consolas" panose="020B0609020204030204" pitchFamily="49" charset="0"/>
+              </a:rPr>
+              <a:t>image_detail</a:t>
+            </a:r>
+            <a:r>
+              <a:rPr lang="en-US" altLang="ko-KR" sz="1200" b="0" dirty="0">
+                <a:solidFill>
+                  <a:srgbClr val="CE9178"/>
+                </a:solidFill>
+                <a:effectLst/>
+                <a:latin typeface="Consolas" panose="020B0609020204030204" pitchFamily="49" charset="0"/>
+              </a:rPr>
+              <a:t>/</a:t>
             </a:r>
             <a:r>
               <a:rPr lang="ko-KR" altLang="en-US" sz="1200" b="0" dirty="0">
                 <a:solidFill>
-                  <a:srgbClr val="D4D4D4"/>
-                </a:solidFill>
-                <a:effectLst/>
-                <a:latin typeface="Consolas" panose="020B0609020204030204" pitchFamily="49" charset="0"/>
-              </a:rPr>
-              <a:t>코멘트 </a:t>
-            </a:r>
-            <a:r>
-              <a:rPr lang="en-US" altLang="ko-KR" sz="1200" b="0" dirty="0">
-                <a:solidFill>
-                  <a:srgbClr val="D4D4D4"/>
-                </a:solidFill>
-                <a:effectLst/>
-                <a:latin typeface="Consolas" panose="020B0609020204030204" pitchFamily="49" charset="0"/>
-              </a:rPr>
-              <a:t>&lt;span </a:t>
+                  <a:srgbClr val="CE9178"/>
+                </a:solidFill>
+                <a:effectLst/>
+                <a:latin typeface="Consolas" panose="020B0609020204030204" pitchFamily="49" charset="0"/>
+              </a:rPr>
+              <a:t>프로필</a:t>
+            </a:r>
+            <a:r>
+              <a:rPr lang="en-US" altLang="ko-KR" sz="1200" b="0" dirty="0">
+                <a:solidFill>
+                  <a:srgbClr val="CE9178"/>
+                </a:solidFill>
+                <a:effectLst/>
+                <a:latin typeface="Consolas" panose="020B0609020204030204" pitchFamily="49" charset="0"/>
+              </a:rPr>
+              <a:t>.jpg"</a:t>
+            </a:r>
+            <a:r>
+              <a:rPr lang="ko-KR" altLang="en-US" sz="1200" b="0" dirty="0">
+                <a:solidFill>
+                  <a:srgbClr val="D4D4D4"/>
+                </a:solidFill>
+                <a:effectLst/>
+                <a:latin typeface="Consolas" panose="020B0609020204030204" pitchFamily="49" charset="0"/>
+              </a:rPr>
+              <a:t> </a:t>
             </a:r>
             <a:r>
               <a:rPr lang="en-US" altLang="ko-KR" sz="1200" b="0" dirty="0">
@@ -18309,7 +18286,7 @@
                 <a:effectLst/>
                 <a:latin typeface="Consolas" panose="020B0609020204030204" pitchFamily="49" charset="0"/>
               </a:rPr>
-              <a:t>style</a:t>
+              <a:t>alt</a:t>
             </a:r>
             <a:r>
               <a:rPr lang="en-US" altLang="ko-KR" sz="1200" b="0" dirty="0">
@@ -18329,29 +18306,17 @@
                 <a:effectLst/>
                 <a:latin typeface="Consolas" panose="020B0609020204030204" pitchFamily="49" charset="0"/>
               </a:rPr>
-              <a:t>"color: red;"</a:t>
-            </a:r>
-            <a:r>
-              <a:rPr lang="en-US" altLang="ko-KR" sz="1200" b="0" dirty="0">
-                <a:solidFill>
-                  <a:srgbClr val="D4D4D4"/>
-                </a:solidFill>
-                <a:effectLst/>
-                <a:latin typeface="Consolas" panose="020B0609020204030204" pitchFamily="49" charset="0"/>
-              </a:rPr>
-              <a:t>&gt;250+&lt;/span&gt;&lt;/h2&gt;</a:t>
-            </a:r>
-          </a:p>
-          <a:p>
-            <a:r>
-              <a:rPr lang="en-US" altLang="ko-KR" sz="1200" b="0" dirty="0">
-                <a:solidFill>
-                  <a:srgbClr val="D4D4D4"/>
-                </a:solidFill>
-                <a:effectLst/>
-                <a:latin typeface="Consolas" panose="020B0609020204030204" pitchFamily="49" charset="0"/>
-              </a:rPr>
-              <a:t>  &lt;div </a:t>
+              <a:t>""</a:t>
+            </a:r>
+            <a:r>
+              <a:rPr lang="ko-KR" altLang="en-US" sz="1200" b="0" dirty="0">
+                <a:solidFill>
+                  <a:srgbClr val="D4D4D4"/>
+                </a:solidFill>
+                <a:effectLst/>
+                <a:latin typeface="Consolas" panose="020B0609020204030204" pitchFamily="49" charset="0"/>
+              </a:rPr>
+              <a:t> </a:t>
             </a:r>
             <a:r>
               <a:rPr lang="en-US" altLang="ko-KR" sz="1200" b="0" dirty="0">
@@ -18364,6 +18329,16 @@
               <a:t>class</a:t>
             </a:r>
             <a:r>
+              <a:rPr lang="ko-KR" altLang="en-US" sz="1200" b="0" dirty="0">
+                <a:solidFill>
+                  <a:srgbClr val="D4D4D4"/>
+                </a:solidFill>
+                <a:effectLst/>
+                <a:latin typeface="Consolas" panose="020B0609020204030204" pitchFamily="49" charset="0"/>
+              </a:rPr>
+              <a:t> </a:t>
+            </a:r>
+            <a:r>
               <a:rPr lang="en-US" altLang="ko-KR" sz="1200" b="0" dirty="0">
                 <a:solidFill>
                   <a:srgbClr val="D4D4D4"/>
@@ -18381,7 +18356,7 @@
                 <a:effectLst/>
                 <a:latin typeface="Consolas" panose="020B0609020204030204" pitchFamily="49" charset="0"/>
               </a:rPr>
-              <a:t>"comment-div"</a:t>
+              <a:t>"profile"</a:t>
             </a:r>
             <a:r>
               <a:rPr lang="en-US" altLang="ko-KR" sz="1200" b="0" dirty="0">
@@ -18403,7 +18378,367 @@
                 <a:effectLst/>
                 <a:latin typeface="Consolas" panose="020B0609020204030204" pitchFamily="49" charset="0"/>
               </a:rPr>
-              <a:t>      &lt;</a:t>
+              <a:t>                      &lt;div&gt;</a:t>
+            </a:r>
+            <a:r>
+              <a:rPr lang="ko-KR" altLang="en-US" sz="1200" b="0" dirty="0" err="1">
+                <a:solidFill>
+                  <a:srgbClr val="D4D4D4"/>
+                </a:solidFill>
+                <a:effectLst/>
+                <a:latin typeface="Consolas" panose="020B0609020204030204" pitchFamily="49" charset="0"/>
+              </a:rPr>
+              <a:t>곰돌이푸</a:t>
+            </a:r>
+            <a:r>
+              <a:rPr lang="en-US" altLang="ko-KR" sz="1200" b="0" dirty="0">
+                <a:solidFill>
+                  <a:srgbClr val="D4D4D4"/>
+                </a:solidFill>
+                <a:effectLst/>
+                <a:latin typeface="Consolas" panose="020B0609020204030204" pitchFamily="49" charset="0"/>
+              </a:rPr>
+              <a:t>&lt;/div&gt;</a:t>
+            </a:r>
+          </a:p>
+          <a:p>
+            <a:r>
+              <a:rPr lang="en-US" altLang="ko-KR" sz="1200" b="0" dirty="0">
+                <a:solidFill>
+                  <a:srgbClr val="D4D4D4"/>
+                </a:solidFill>
+                <a:effectLst/>
+                <a:latin typeface="Consolas" panose="020B0609020204030204" pitchFamily="49" charset="0"/>
+              </a:rPr>
+              <a:t>                  &lt;/div&gt;</a:t>
+            </a:r>
+          </a:p>
+          <a:p>
+            <a:r>
+              <a:rPr lang="en-US" altLang="ko-KR" sz="1200" b="0" dirty="0">
+                <a:solidFill>
+                  <a:srgbClr val="D4D4D4"/>
+                </a:solidFill>
+                <a:effectLst/>
+                <a:latin typeface="Consolas" panose="020B0609020204030204" pitchFamily="49" charset="0"/>
+              </a:rPr>
+              <a:t>                  &lt;div </a:t>
+            </a:r>
+            <a:r>
+              <a:rPr lang="en-US" altLang="ko-KR" sz="1200" b="0" dirty="0">
+                <a:solidFill>
+                  <a:srgbClr val="569CD6"/>
+                </a:solidFill>
+                <a:effectLst/>
+                <a:latin typeface="Consolas" panose="020B0609020204030204" pitchFamily="49" charset="0"/>
+              </a:rPr>
+              <a:t>class</a:t>
+            </a:r>
+            <a:r>
+              <a:rPr lang="en-US" altLang="ko-KR" sz="1200" b="0" dirty="0">
+                <a:solidFill>
+                  <a:srgbClr val="D4D4D4"/>
+                </a:solidFill>
+                <a:effectLst/>
+                <a:latin typeface="Consolas" panose="020B0609020204030204" pitchFamily="49" charset="0"/>
+              </a:rPr>
+              <a:t>=</a:t>
+            </a:r>
+            <a:r>
+              <a:rPr lang="en-US" altLang="ko-KR" sz="1200" b="0" dirty="0">
+                <a:solidFill>
+                  <a:srgbClr val="CE9178"/>
+                </a:solidFill>
+                <a:effectLst/>
+                <a:latin typeface="Consolas" panose="020B0609020204030204" pitchFamily="49" charset="0"/>
+              </a:rPr>
+              <a:t>"review"</a:t>
+            </a:r>
+            <a:r>
+              <a:rPr lang="en-US" altLang="ko-KR" sz="1200" b="0" dirty="0">
+                <a:solidFill>
+                  <a:srgbClr val="D4D4D4"/>
+                </a:solidFill>
+                <a:effectLst/>
+                <a:latin typeface="Consolas" panose="020B0609020204030204" pitchFamily="49" charset="0"/>
+              </a:rPr>
+              <a:t>&gt;</a:t>
+            </a:r>
+          </a:p>
+          <a:p>
+            <a:r>
+              <a:rPr lang="en-US" altLang="ko-KR" sz="1200" b="0" dirty="0">
+                <a:solidFill>
+                  <a:srgbClr val="D4D4D4"/>
+                </a:solidFill>
+                <a:effectLst/>
+                <a:latin typeface="Consolas" panose="020B0609020204030204" pitchFamily="49" charset="0"/>
+              </a:rPr>
+              <a:t>				  </a:t>
+            </a:r>
+            <a:r>
+              <a:rPr lang="ko-KR" altLang="en-US" sz="1200" b="0" dirty="0">
+                <a:solidFill>
+                  <a:srgbClr val="D4D4D4"/>
+                </a:solidFill>
+                <a:effectLst/>
+                <a:latin typeface="Consolas" panose="020B0609020204030204" pitchFamily="49" charset="0"/>
+              </a:rPr>
+              <a:t>미국에 </a:t>
+            </a:r>
+            <a:r>
+              <a:rPr lang="ko-KR" altLang="en-US" sz="1200" b="0" dirty="0" err="1">
+                <a:solidFill>
+                  <a:srgbClr val="D4D4D4"/>
+                </a:solidFill>
+                <a:effectLst/>
+                <a:latin typeface="Consolas" panose="020B0609020204030204" pitchFamily="49" charset="0"/>
+              </a:rPr>
+              <a:t>살고있는데</a:t>
+            </a:r>
+            <a:r>
+              <a:rPr lang="en-US" altLang="ko-KR" sz="1200" b="0" dirty="0">
+                <a:solidFill>
+                  <a:srgbClr val="D4D4D4"/>
+                </a:solidFill>
+                <a:effectLst/>
+                <a:latin typeface="Consolas" panose="020B0609020204030204" pitchFamily="49" charset="0"/>
+              </a:rPr>
+              <a:t>...</a:t>
+            </a:r>
+          </a:p>
+          <a:p>
+            <a:r>
+              <a:rPr lang="ko-KR" altLang="en-US" sz="1200" b="0" dirty="0">
+                <a:solidFill>
+                  <a:srgbClr val="D4D4D4"/>
+                </a:solidFill>
+                <a:effectLst/>
+                <a:latin typeface="Consolas" panose="020B0609020204030204" pitchFamily="49" charset="0"/>
+              </a:rPr>
+              <a:t>                  </a:t>
+            </a:r>
+            <a:r>
+              <a:rPr lang="en-US" altLang="ko-KR" sz="1200" b="0" dirty="0">
+                <a:solidFill>
+                  <a:srgbClr val="D4D4D4"/>
+                </a:solidFill>
+                <a:effectLst/>
+                <a:latin typeface="Consolas" panose="020B0609020204030204" pitchFamily="49" charset="0"/>
+              </a:rPr>
+              <a:t>&lt;/div&gt;</a:t>
+            </a:r>
+          </a:p>
+          <a:p>
+            <a:r>
+              <a:rPr lang="en-US" altLang="ko-KR" sz="1200" b="0" dirty="0">
+                <a:solidFill>
+                  <a:srgbClr val="D4D4D4"/>
+                </a:solidFill>
+                <a:effectLst/>
+                <a:latin typeface="Consolas" panose="020B0609020204030204" pitchFamily="49" charset="0"/>
+              </a:rPr>
+              <a:t>              &lt;/div&gt;</a:t>
+            </a:r>
+          </a:p>
+          <a:p>
+            <a:r>
+              <a:rPr lang="en-US" altLang="ko-KR" sz="1200" b="0" dirty="0">
+                <a:solidFill>
+                  <a:srgbClr val="D4D4D4"/>
+                </a:solidFill>
+                <a:effectLst/>
+                <a:latin typeface="Consolas" panose="020B0609020204030204" pitchFamily="49" charset="0"/>
+              </a:rPr>
+              <a:t>          &lt;/li&gt;</a:t>
+            </a:r>
+          </a:p>
+          <a:p>
+            <a:r>
+              <a:rPr lang="en-US" altLang="ko-KR" sz="1200" b="0" dirty="0">
+                <a:solidFill>
+                  <a:srgbClr val="D4D4D4"/>
+                </a:solidFill>
+                <a:effectLst/>
+                <a:latin typeface="Consolas" panose="020B0609020204030204" pitchFamily="49" charset="0"/>
+              </a:rPr>
+              <a:t>          &lt;li </a:t>
+            </a:r>
+            <a:r>
+              <a:rPr lang="en-US" altLang="ko-KR" sz="1200" b="0" dirty="0">
+                <a:solidFill>
+                  <a:srgbClr val="569CD6"/>
+                </a:solidFill>
+                <a:effectLst/>
+                <a:latin typeface="Consolas" panose="020B0609020204030204" pitchFamily="49" charset="0"/>
+              </a:rPr>
+              <a:t>class</a:t>
+            </a:r>
+            <a:r>
+              <a:rPr lang="ko-KR" altLang="en-US" sz="1200" b="0" dirty="0">
+                <a:solidFill>
+                  <a:srgbClr val="D4D4D4"/>
+                </a:solidFill>
+                <a:effectLst/>
+                <a:latin typeface="Consolas" panose="020B0609020204030204" pitchFamily="49" charset="0"/>
+              </a:rPr>
+              <a:t> </a:t>
+            </a:r>
+            <a:r>
+              <a:rPr lang="en-US" altLang="ko-KR" sz="1200" b="0" dirty="0">
+                <a:solidFill>
+                  <a:srgbClr val="D4D4D4"/>
+                </a:solidFill>
+                <a:effectLst/>
+                <a:latin typeface="Consolas" panose="020B0609020204030204" pitchFamily="49" charset="0"/>
+              </a:rPr>
+              <a:t>= </a:t>
+            </a:r>
+            <a:r>
+              <a:rPr lang="en-US" altLang="ko-KR" sz="1200" b="0" dirty="0">
+                <a:solidFill>
+                  <a:srgbClr val="CE9178"/>
+                </a:solidFill>
+                <a:effectLst/>
+                <a:latin typeface="Consolas" panose="020B0609020204030204" pitchFamily="49" charset="0"/>
+              </a:rPr>
+              <a:t>"review-li"</a:t>
+            </a:r>
+            <a:r>
+              <a:rPr lang="en-US" altLang="ko-KR" sz="1200" b="0" dirty="0">
+                <a:solidFill>
+                  <a:srgbClr val="D4D4D4"/>
+                </a:solidFill>
+                <a:effectLst/>
+                <a:latin typeface="Consolas" panose="020B0609020204030204" pitchFamily="49" charset="0"/>
+              </a:rPr>
+              <a:t>&gt;</a:t>
+            </a:r>
+          </a:p>
+          <a:p>
+            <a:r>
+              <a:rPr lang="en-US" altLang="ko-KR" sz="1200" b="0" dirty="0">
+                <a:solidFill>
+                  <a:srgbClr val="D4D4D4"/>
+                </a:solidFill>
+                <a:effectLst/>
+                <a:latin typeface="Consolas" panose="020B0609020204030204" pitchFamily="49" charset="0"/>
+              </a:rPr>
+              <a:t>              &lt;div </a:t>
+            </a:r>
+            <a:r>
+              <a:rPr lang="en-US" altLang="ko-KR" sz="1200" b="0" dirty="0">
+                <a:solidFill>
+                  <a:srgbClr val="569CD6"/>
+                </a:solidFill>
+                <a:effectLst/>
+                <a:latin typeface="Consolas" panose="020B0609020204030204" pitchFamily="49" charset="0"/>
+              </a:rPr>
+              <a:t>class</a:t>
+            </a:r>
+            <a:r>
+              <a:rPr lang="ko-KR" altLang="en-US" sz="1200" b="0" dirty="0">
+                <a:solidFill>
+                  <a:srgbClr val="D4D4D4"/>
+                </a:solidFill>
+                <a:effectLst/>
+                <a:latin typeface="Consolas" panose="020B0609020204030204" pitchFamily="49" charset="0"/>
+              </a:rPr>
+              <a:t> </a:t>
+            </a:r>
+            <a:r>
+              <a:rPr lang="en-US" altLang="ko-KR" sz="1200" b="0" dirty="0">
+                <a:solidFill>
+                  <a:srgbClr val="D4D4D4"/>
+                </a:solidFill>
+                <a:effectLst/>
+                <a:latin typeface="Consolas" panose="020B0609020204030204" pitchFamily="49" charset="0"/>
+              </a:rPr>
+              <a:t>= </a:t>
+            </a:r>
+            <a:r>
+              <a:rPr lang="en-US" altLang="ko-KR" sz="1200" b="0" dirty="0">
+                <a:solidFill>
+                  <a:srgbClr val="CE9178"/>
+                </a:solidFill>
+                <a:effectLst/>
+                <a:latin typeface="Consolas" panose="020B0609020204030204" pitchFamily="49" charset="0"/>
+              </a:rPr>
+              <a:t>"review-box"</a:t>
+            </a:r>
+            <a:r>
+              <a:rPr lang="en-US" altLang="ko-KR" sz="1200" b="0" dirty="0">
+                <a:solidFill>
+                  <a:srgbClr val="D4D4D4"/>
+                </a:solidFill>
+                <a:effectLst/>
+                <a:latin typeface="Consolas" panose="020B0609020204030204" pitchFamily="49" charset="0"/>
+              </a:rPr>
+              <a:t>&gt;</a:t>
+            </a:r>
+          </a:p>
+          <a:p>
+            <a:r>
+              <a:rPr lang="en-US" altLang="ko-KR" sz="1200" b="0" dirty="0">
+                <a:solidFill>
+                  <a:srgbClr val="D4D4D4"/>
+                </a:solidFill>
+                <a:effectLst/>
+                <a:latin typeface="Consolas" panose="020B0609020204030204" pitchFamily="49" charset="0"/>
+              </a:rPr>
+              <a:t>                  &lt;div </a:t>
+            </a:r>
+            <a:r>
+              <a:rPr lang="en-US" altLang="ko-KR" sz="1200" b="0" dirty="0">
+                <a:solidFill>
+                  <a:srgbClr val="569CD6"/>
+                </a:solidFill>
+                <a:effectLst/>
+                <a:latin typeface="Consolas" panose="020B0609020204030204" pitchFamily="49" charset="0"/>
+              </a:rPr>
+              <a:t>class</a:t>
+            </a:r>
+            <a:r>
+              <a:rPr lang="en-US" altLang="ko-KR" sz="1200" b="0" dirty="0">
+                <a:solidFill>
+                  <a:srgbClr val="D4D4D4"/>
+                </a:solidFill>
+                <a:effectLst/>
+                <a:latin typeface="Consolas" panose="020B0609020204030204" pitchFamily="49" charset="0"/>
+              </a:rPr>
+              <a:t>=</a:t>
+            </a:r>
+            <a:r>
+              <a:rPr lang="en-US" altLang="ko-KR" sz="1200" b="0" dirty="0">
+                <a:solidFill>
+                  <a:srgbClr val="CE9178"/>
+                </a:solidFill>
+                <a:effectLst/>
+                <a:latin typeface="Consolas" panose="020B0609020204030204" pitchFamily="49" charset="0"/>
+              </a:rPr>
+              <a:t>"user"</a:t>
+            </a:r>
+            <a:r>
+              <a:rPr lang="en-US" altLang="ko-KR" sz="1200" b="0" dirty="0">
+                <a:solidFill>
+                  <a:srgbClr val="D4D4D4"/>
+                </a:solidFill>
+                <a:effectLst/>
+                <a:latin typeface="Consolas" panose="020B0609020204030204" pitchFamily="49" charset="0"/>
+              </a:rPr>
+              <a:t>&gt;</a:t>
+            </a:r>
+          </a:p>
+          <a:p>
+            <a:r>
+              <a:rPr lang="en-US" altLang="ko-KR" sz="1200" b="0" dirty="0">
+                <a:solidFill>
+                  <a:srgbClr val="D4D4D4"/>
+                </a:solidFill>
+                <a:effectLst/>
+                <a:latin typeface="Consolas" panose="020B0609020204030204" pitchFamily="49" charset="0"/>
+              </a:rPr>
+              <a:t>                      &lt;</a:t>
             </a:r>
             <a:r>
               <a:rPr lang="en-US" altLang="ko-KR" sz="1200" b="0" dirty="0" err="1">
@@ -18413,7 +18748,7 @@
                 <a:effectLst/>
                 <a:latin typeface="Consolas" panose="020B0609020204030204" pitchFamily="49" charset="0"/>
               </a:rPr>
-              <a:t>ul</a:t>
+              <a:t>img</a:t>
             </a:r>
             <a:r>
               <a:rPr lang="en-US" altLang="ko-KR" sz="1200" b="0" dirty="0">
@@ -18426,14 +18761,14 @@
               <a:t> </a:t>
             </a:r>
             <a:r>
-              <a:rPr lang="en-US" altLang="ko-KR" sz="1200" b="0" dirty="0">
+              <a:rPr lang="en-US" altLang="ko-KR" sz="1200" b="0" dirty="0" err="1">
                 <a:solidFill>
                   <a:srgbClr val="569CD6"/>
                 </a:solidFill>
                 <a:effectLst/>
                 <a:latin typeface="Consolas" panose="020B0609020204030204" pitchFamily="49" charset="0"/>
               </a:rPr>
-              <a:t>style</a:t>
+              <a:t>src</a:t>
             </a:r>
             <a:r>
               <a:rPr lang="en-US" altLang="ko-KR" sz="1200" b="0" dirty="0">
@@ -18453,7 +18788,137 @@
                 <a:effectLst/>
                 <a:latin typeface="Consolas" panose="020B0609020204030204" pitchFamily="49" charset="0"/>
               </a:rPr>
-              <a:t>"display: flex; flex-wrap: wrap;"</a:t>
+              <a:t>"./</a:t>
+            </a:r>
+            <a:r>
+              <a:rPr lang="en-US" altLang="ko-KR" sz="1200" b="0" dirty="0" err="1">
+                <a:solidFill>
+                  <a:srgbClr val="CE9178"/>
+                </a:solidFill>
+                <a:effectLst/>
+                <a:latin typeface="Consolas" panose="020B0609020204030204" pitchFamily="49" charset="0"/>
+              </a:rPr>
+              <a:t>image_detail</a:t>
+            </a:r>
+            <a:r>
+              <a:rPr lang="en-US" altLang="ko-KR" sz="1200" b="0" dirty="0">
+                <a:solidFill>
+                  <a:srgbClr val="CE9178"/>
+                </a:solidFill>
+                <a:effectLst/>
+                <a:latin typeface="Consolas" panose="020B0609020204030204" pitchFamily="49" charset="0"/>
+              </a:rPr>
+              <a:t>/</a:t>
+            </a:r>
+            <a:r>
+              <a:rPr lang="ko-KR" altLang="en-US" sz="1200" b="0" dirty="0">
+                <a:solidFill>
+                  <a:srgbClr val="CE9178"/>
+                </a:solidFill>
+                <a:effectLst/>
+                <a:latin typeface="Consolas" panose="020B0609020204030204" pitchFamily="49" charset="0"/>
+              </a:rPr>
+              <a:t>프로필</a:t>
+            </a:r>
+            <a:r>
+              <a:rPr lang="en-US" altLang="ko-KR" sz="1200" b="0" dirty="0">
+                <a:solidFill>
+                  <a:srgbClr val="CE9178"/>
+                </a:solidFill>
+                <a:effectLst/>
+                <a:latin typeface="Consolas" panose="020B0609020204030204" pitchFamily="49" charset="0"/>
+              </a:rPr>
+              <a:t>.jpg"</a:t>
+            </a:r>
+            <a:r>
+              <a:rPr lang="ko-KR" altLang="en-US" sz="1200" b="0" dirty="0">
+                <a:solidFill>
+                  <a:srgbClr val="D4D4D4"/>
+                </a:solidFill>
+                <a:effectLst/>
+                <a:latin typeface="Consolas" panose="020B0609020204030204" pitchFamily="49" charset="0"/>
+              </a:rPr>
+              <a:t> </a:t>
+            </a:r>
+            <a:r>
+              <a:rPr lang="en-US" altLang="ko-KR" sz="1200" b="0" dirty="0">
+                <a:solidFill>
+                  <a:srgbClr val="569CD6"/>
+                </a:solidFill>
+                <a:effectLst/>
+                <a:latin typeface="Consolas" panose="020B0609020204030204" pitchFamily="49" charset="0"/>
+              </a:rPr>
+              <a:t>alt</a:t>
+            </a:r>
+            <a:r>
+              <a:rPr lang="en-US" altLang="ko-KR" sz="1200" b="0" dirty="0">
+                <a:solidFill>
+                  <a:srgbClr val="D4D4D4"/>
+                </a:solidFill>
+                <a:effectLst/>
+                <a:latin typeface="Consolas" panose="020B0609020204030204" pitchFamily="49" charset="0"/>
+              </a:rPr>
+              <a:t>=</a:t>
+            </a:r>
+            <a:r>
+              <a:rPr lang="en-US" altLang="ko-KR" sz="1200" b="0" dirty="0">
+                <a:solidFill>
+                  <a:srgbClr val="CE9178"/>
+                </a:solidFill>
+                <a:effectLst/>
+                <a:latin typeface="Consolas" panose="020B0609020204030204" pitchFamily="49" charset="0"/>
+              </a:rPr>
+              <a:t>""</a:t>
+            </a:r>
+            <a:r>
+              <a:rPr lang="ko-KR" altLang="en-US" sz="1200" b="0" dirty="0">
+                <a:solidFill>
+                  <a:srgbClr val="D4D4D4"/>
+                </a:solidFill>
+                <a:effectLst/>
+                <a:latin typeface="Consolas" panose="020B0609020204030204" pitchFamily="49" charset="0"/>
+              </a:rPr>
+              <a:t> </a:t>
+            </a:r>
+            <a:r>
+              <a:rPr lang="en-US" altLang="ko-KR" sz="1200" b="0" dirty="0">
+                <a:solidFill>
+                  <a:srgbClr val="569CD6"/>
+                </a:solidFill>
+                <a:effectLst/>
+                <a:latin typeface="Consolas" panose="020B0609020204030204" pitchFamily="49" charset="0"/>
+              </a:rPr>
+              <a:t>class</a:t>
+            </a:r>
+            <a:r>
+              <a:rPr lang="ko-KR" altLang="en-US" sz="1200" b="0" dirty="0">
+                <a:solidFill>
+                  <a:srgbClr val="D4D4D4"/>
+                </a:solidFill>
+                <a:effectLst/>
+                <a:latin typeface="Consolas" panose="020B0609020204030204" pitchFamily="49" charset="0"/>
+              </a:rPr>
+              <a:t> </a:t>
+            </a:r>
+            <a:r>
+              <a:rPr lang="en-US" altLang="ko-KR" sz="1200" b="0" dirty="0">
+                <a:solidFill>
+                  <a:srgbClr val="D4D4D4"/>
+                </a:solidFill>
+                <a:effectLst/>
+                <a:latin typeface="Consolas" panose="020B0609020204030204" pitchFamily="49" charset="0"/>
+              </a:rPr>
+              <a:t>=</a:t>
+            </a:r>
+            <a:r>
+              <a:rPr lang="en-US" altLang="ko-KR" sz="1200" b="0" dirty="0">
+                <a:solidFill>
+                  <a:srgbClr val="CE9178"/>
+                </a:solidFill>
+                <a:effectLst/>
+                <a:latin typeface="Consolas" panose="020B0609020204030204" pitchFamily="49" charset="0"/>
+              </a:rPr>
+              <a:t>"profile"</a:t>
             </a:r>
             <a:r>
               <a:rPr lang="en-US" altLang="ko-KR" sz="1200" b="0" dirty="0">
@@ -18475,1067 +18940,7 @@
                 <a:effectLst/>
                 <a:latin typeface="Consolas" panose="020B0609020204030204" pitchFamily="49" charset="0"/>
               </a:rPr>
-              <a:t>          &lt;li </a:t>
-            </a:r>
-            <a:r>
-              <a:rPr lang="en-US" altLang="ko-KR" sz="1200" b="0" dirty="0">
-                <a:solidFill>
-                  <a:srgbClr val="569CD6"/>
-                </a:solidFill>
-                <a:effectLst/>
-                <a:latin typeface="Consolas" panose="020B0609020204030204" pitchFamily="49" charset="0"/>
-              </a:rPr>
-              <a:t>class</a:t>
-            </a:r>
-            <a:r>
-              <a:rPr lang="ko-KR" altLang="en-US" sz="1200" b="0" dirty="0">
-                <a:solidFill>
-                  <a:srgbClr val="D4D4D4"/>
-                </a:solidFill>
-                <a:effectLst/>
-                <a:latin typeface="Consolas" panose="020B0609020204030204" pitchFamily="49" charset="0"/>
-              </a:rPr>
-              <a:t> </a:t>
-            </a:r>
-            <a:r>
-              <a:rPr lang="en-US" altLang="ko-KR" sz="1200" b="0" dirty="0">
-                <a:solidFill>
-                  <a:srgbClr val="D4D4D4"/>
-                </a:solidFill>
-                <a:effectLst/>
-                <a:latin typeface="Consolas" panose="020B0609020204030204" pitchFamily="49" charset="0"/>
-              </a:rPr>
-              <a:t>= </a:t>
-            </a:r>
-            <a:r>
-              <a:rPr lang="en-US" altLang="ko-KR" sz="1200" b="0" dirty="0">
-                <a:solidFill>
-                  <a:srgbClr val="CE9178"/>
-                </a:solidFill>
-                <a:effectLst/>
-                <a:latin typeface="Consolas" panose="020B0609020204030204" pitchFamily="49" charset="0"/>
-              </a:rPr>
-              <a:t>"review-li"</a:t>
-            </a:r>
-            <a:r>
-              <a:rPr lang="en-US" altLang="ko-KR" sz="1200" b="0" dirty="0">
-                <a:solidFill>
-                  <a:srgbClr val="D4D4D4"/>
-                </a:solidFill>
-                <a:effectLst/>
-                <a:latin typeface="Consolas" panose="020B0609020204030204" pitchFamily="49" charset="0"/>
-              </a:rPr>
-              <a:t>&gt;</a:t>
-            </a:r>
-          </a:p>
-          <a:p>
-            <a:r>
-              <a:rPr lang="en-US" altLang="ko-KR" sz="1200" b="0" dirty="0">
-                <a:solidFill>
-                  <a:srgbClr val="D4D4D4"/>
-                </a:solidFill>
-                <a:effectLst/>
-                <a:latin typeface="Consolas" panose="020B0609020204030204" pitchFamily="49" charset="0"/>
-              </a:rPr>
-              <a:t>              &lt;div </a:t>
-            </a:r>
-            <a:r>
-              <a:rPr lang="en-US" altLang="ko-KR" sz="1200" b="0" dirty="0">
-                <a:solidFill>
-                  <a:srgbClr val="569CD6"/>
-                </a:solidFill>
-                <a:effectLst/>
-                <a:latin typeface="Consolas" panose="020B0609020204030204" pitchFamily="49" charset="0"/>
-              </a:rPr>
-              <a:t>class</a:t>
-            </a:r>
-            <a:r>
-              <a:rPr lang="ko-KR" altLang="en-US" sz="1200" b="0" dirty="0">
-                <a:solidFill>
-                  <a:srgbClr val="D4D4D4"/>
-                </a:solidFill>
-                <a:effectLst/>
-                <a:latin typeface="Consolas" panose="020B0609020204030204" pitchFamily="49" charset="0"/>
-              </a:rPr>
-              <a:t> </a:t>
-            </a:r>
-            <a:r>
-              <a:rPr lang="en-US" altLang="ko-KR" sz="1200" b="0" dirty="0">
-                <a:solidFill>
-                  <a:srgbClr val="D4D4D4"/>
-                </a:solidFill>
-                <a:effectLst/>
-                <a:latin typeface="Consolas" panose="020B0609020204030204" pitchFamily="49" charset="0"/>
-              </a:rPr>
-              <a:t>= </a:t>
-            </a:r>
-            <a:r>
-              <a:rPr lang="en-US" altLang="ko-KR" sz="1200" b="0" dirty="0">
-                <a:solidFill>
-                  <a:srgbClr val="CE9178"/>
-                </a:solidFill>
-                <a:effectLst/>
-                <a:latin typeface="Consolas" panose="020B0609020204030204" pitchFamily="49" charset="0"/>
-              </a:rPr>
-              <a:t>"review-box"</a:t>
-            </a:r>
-            <a:r>
-              <a:rPr lang="en-US" altLang="ko-KR" sz="1200" b="0" dirty="0">
-                <a:solidFill>
-                  <a:srgbClr val="D4D4D4"/>
-                </a:solidFill>
-                <a:effectLst/>
-                <a:latin typeface="Consolas" panose="020B0609020204030204" pitchFamily="49" charset="0"/>
-              </a:rPr>
-              <a:t>&gt;</a:t>
-            </a:r>
-          </a:p>
-          <a:p>
-            <a:r>
-              <a:rPr lang="en-US" altLang="ko-KR" sz="1200" b="0" dirty="0">
-                <a:solidFill>
-                  <a:srgbClr val="D4D4D4"/>
-                </a:solidFill>
-                <a:effectLst/>
-                <a:latin typeface="Consolas" panose="020B0609020204030204" pitchFamily="49" charset="0"/>
-              </a:rPr>
-              <a:t>                  &lt;div </a:t>
-            </a:r>
-            <a:r>
-              <a:rPr lang="en-US" altLang="ko-KR" sz="1200" b="0" dirty="0">
-                <a:solidFill>
-                  <a:srgbClr val="569CD6"/>
-                </a:solidFill>
-                <a:effectLst/>
-                <a:latin typeface="Consolas" panose="020B0609020204030204" pitchFamily="49" charset="0"/>
-              </a:rPr>
-              <a:t>class</a:t>
-            </a:r>
-            <a:r>
-              <a:rPr lang="en-US" altLang="ko-KR" sz="1200" b="0" dirty="0">
-                <a:solidFill>
-                  <a:srgbClr val="D4D4D4"/>
-                </a:solidFill>
-                <a:effectLst/>
-                <a:latin typeface="Consolas" panose="020B0609020204030204" pitchFamily="49" charset="0"/>
-              </a:rPr>
-              <a:t>=</a:t>
-            </a:r>
-            <a:r>
-              <a:rPr lang="en-US" altLang="ko-KR" sz="1200" b="0" dirty="0">
-                <a:solidFill>
-                  <a:srgbClr val="CE9178"/>
-                </a:solidFill>
-                <a:effectLst/>
-                <a:latin typeface="Consolas" panose="020B0609020204030204" pitchFamily="49" charset="0"/>
-              </a:rPr>
-              <a:t>"user"</a:t>
-            </a:r>
-            <a:r>
-              <a:rPr lang="en-US" altLang="ko-KR" sz="1200" b="0" dirty="0">
-                <a:solidFill>
-                  <a:srgbClr val="D4D4D4"/>
-                </a:solidFill>
-                <a:effectLst/>
-                <a:latin typeface="Consolas" panose="020B0609020204030204" pitchFamily="49" charset="0"/>
-              </a:rPr>
-              <a:t>&gt;</a:t>
-            </a:r>
-          </a:p>
-          <a:p>
-            <a:r>
-              <a:rPr lang="en-US" altLang="ko-KR" sz="1200" b="0" dirty="0">
-                <a:solidFill>
-                  <a:srgbClr val="D4D4D4"/>
-                </a:solidFill>
-                <a:effectLst/>
-                <a:latin typeface="Consolas" panose="020B0609020204030204" pitchFamily="49" charset="0"/>
-              </a:rPr>
-              <a:t>                      &lt;</a:t>
-            </a:r>
-            <a:r>
-              <a:rPr lang="en-US" altLang="ko-KR" sz="1200" b="0" dirty="0" err="1">
-                <a:solidFill>
-                  <a:srgbClr val="D4D4D4"/>
-                </a:solidFill>
-                <a:effectLst/>
-                <a:latin typeface="Consolas" panose="020B0609020204030204" pitchFamily="49" charset="0"/>
-              </a:rPr>
-              <a:t>img</a:t>
-            </a:r>
-            <a:r>
-              <a:rPr lang="en-US" altLang="ko-KR" sz="1200" b="0" dirty="0">
-                <a:solidFill>
-                  <a:srgbClr val="D4D4D4"/>
-                </a:solidFill>
-                <a:effectLst/>
-                <a:latin typeface="Consolas" panose="020B0609020204030204" pitchFamily="49" charset="0"/>
-              </a:rPr>
-              <a:t> </a:t>
-            </a:r>
-            <a:r>
-              <a:rPr lang="en-US" altLang="ko-KR" sz="1200" b="0" dirty="0" err="1">
-                <a:solidFill>
-                  <a:srgbClr val="569CD6"/>
-                </a:solidFill>
-                <a:effectLst/>
-                <a:latin typeface="Consolas" panose="020B0609020204030204" pitchFamily="49" charset="0"/>
-              </a:rPr>
-              <a:t>src</a:t>
-            </a:r>
-            <a:r>
-              <a:rPr lang="en-US" altLang="ko-KR" sz="1200" b="0" dirty="0">
-                <a:solidFill>
-                  <a:srgbClr val="D4D4D4"/>
-                </a:solidFill>
-                <a:effectLst/>
-                <a:latin typeface="Consolas" panose="020B0609020204030204" pitchFamily="49" charset="0"/>
-              </a:rPr>
-              <a:t>=</a:t>
-            </a:r>
-            <a:r>
-              <a:rPr lang="en-US" altLang="ko-KR" sz="1200" b="0" dirty="0">
-                <a:solidFill>
-                  <a:srgbClr val="CE9178"/>
-                </a:solidFill>
-                <a:effectLst/>
-                <a:latin typeface="Consolas" panose="020B0609020204030204" pitchFamily="49" charset="0"/>
-              </a:rPr>
-              <a:t>"./</a:t>
-            </a:r>
-            <a:r>
-              <a:rPr lang="en-US" altLang="ko-KR" sz="1200" b="0" dirty="0" err="1">
-                <a:solidFill>
-                  <a:srgbClr val="CE9178"/>
-                </a:solidFill>
-                <a:effectLst/>
-                <a:latin typeface="Consolas" panose="020B0609020204030204" pitchFamily="49" charset="0"/>
-              </a:rPr>
-              <a:t>image_detail</a:t>
-            </a:r>
-            <a:r>
-              <a:rPr lang="en-US" altLang="ko-KR" sz="1200" b="0" dirty="0">
-                <a:solidFill>
-                  <a:srgbClr val="CE9178"/>
-                </a:solidFill>
-                <a:effectLst/>
-                <a:latin typeface="Consolas" panose="020B0609020204030204" pitchFamily="49" charset="0"/>
-              </a:rPr>
-              <a:t>/</a:t>
-            </a:r>
-            <a:r>
-              <a:rPr lang="ko-KR" altLang="en-US" sz="1200" b="0" dirty="0">
-                <a:solidFill>
-                  <a:srgbClr val="CE9178"/>
-                </a:solidFill>
-                <a:effectLst/>
-                <a:latin typeface="Consolas" panose="020B0609020204030204" pitchFamily="49" charset="0"/>
-              </a:rPr>
-              <a:t>프로필</a:t>
-            </a:r>
-            <a:r>
-              <a:rPr lang="en-US" altLang="ko-KR" sz="1200" b="0" dirty="0">
-                <a:solidFill>
-                  <a:srgbClr val="CE9178"/>
-                </a:solidFill>
-                <a:effectLst/>
-                <a:latin typeface="Consolas" panose="020B0609020204030204" pitchFamily="49" charset="0"/>
-              </a:rPr>
-              <a:t>.jpg"</a:t>
-            </a:r>
-            <a:r>
-              <a:rPr lang="ko-KR" altLang="en-US" sz="1200" b="0" dirty="0">
-                <a:solidFill>
-                  <a:srgbClr val="D4D4D4"/>
-                </a:solidFill>
-                <a:effectLst/>
-                <a:latin typeface="Consolas" panose="020B0609020204030204" pitchFamily="49" charset="0"/>
-              </a:rPr>
-              <a:t> </a:t>
-            </a:r>
-            <a:r>
-              <a:rPr lang="en-US" altLang="ko-KR" sz="1200" b="0" dirty="0">
-                <a:solidFill>
-                  <a:srgbClr val="569CD6"/>
-                </a:solidFill>
-                <a:effectLst/>
-                <a:latin typeface="Consolas" panose="020B0609020204030204" pitchFamily="49" charset="0"/>
-              </a:rPr>
-              <a:t>alt</a:t>
-            </a:r>
-            <a:r>
-              <a:rPr lang="en-US" altLang="ko-KR" sz="1200" b="0" dirty="0">
-                <a:solidFill>
-                  <a:srgbClr val="D4D4D4"/>
-                </a:solidFill>
-                <a:effectLst/>
-                <a:latin typeface="Consolas" panose="020B0609020204030204" pitchFamily="49" charset="0"/>
-              </a:rPr>
-              <a:t>=</a:t>
-            </a:r>
-            <a:r>
-              <a:rPr lang="en-US" altLang="ko-KR" sz="1200" b="0" dirty="0">
-                <a:solidFill>
-                  <a:srgbClr val="CE9178"/>
-                </a:solidFill>
-                <a:effectLst/>
-                <a:latin typeface="Consolas" panose="020B0609020204030204" pitchFamily="49" charset="0"/>
-              </a:rPr>
-              <a:t>""</a:t>
-            </a:r>
-            <a:r>
-              <a:rPr lang="ko-KR" altLang="en-US" sz="1200" b="0" dirty="0">
-                <a:solidFill>
-                  <a:srgbClr val="D4D4D4"/>
-                </a:solidFill>
-                <a:effectLst/>
-                <a:latin typeface="Consolas" panose="020B0609020204030204" pitchFamily="49" charset="0"/>
-              </a:rPr>
-              <a:t> </a:t>
-            </a:r>
-            <a:r>
-              <a:rPr lang="en-US" altLang="ko-KR" sz="1200" b="0" dirty="0">
-                <a:solidFill>
-                  <a:srgbClr val="569CD6"/>
-                </a:solidFill>
-                <a:effectLst/>
-                <a:latin typeface="Consolas" panose="020B0609020204030204" pitchFamily="49" charset="0"/>
-              </a:rPr>
-              <a:t>class</a:t>
-            </a:r>
-            <a:r>
-              <a:rPr lang="ko-KR" altLang="en-US" sz="1200" b="0" dirty="0">
-                <a:solidFill>
-                  <a:srgbClr val="D4D4D4"/>
-                </a:solidFill>
-                <a:effectLst/>
-                <a:latin typeface="Consolas" panose="020B0609020204030204" pitchFamily="49" charset="0"/>
-              </a:rPr>
-              <a:t> </a:t>
-            </a:r>
-            <a:r>
-              <a:rPr lang="en-US" altLang="ko-KR" sz="1200" b="0" dirty="0">
-                <a:solidFill>
-                  <a:srgbClr val="D4D4D4"/>
-                </a:solidFill>
-                <a:effectLst/>
-                <a:latin typeface="Consolas" panose="020B0609020204030204" pitchFamily="49" charset="0"/>
-              </a:rPr>
-              <a:t>=</a:t>
-            </a:r>
-            <a:r>
-              <a:rPr lang="en-US" altLang="ko-KR" sz="1200" b="0" dirty="0">
-                <a:solidFill>
-                  <a:srgbClr val="CE9178"/>
-                </a:solidFill>
-                <a:effectLst/>
-                <a:latin typeface="Consolas" panose="020B0609020204030204" pitchFamily="49" charset="0"/>
-              </a:rPr>
-              <a:t>"profile"</a:t>
-            </a:r>
-            <a:r>
-              <a:rPr lang="ko-KR" altLang="en-US" sz="1200" b="0" dirty="0">
-                <a:solidFill>
-                  <a:srgbClr val="D4D4D4"/>
-                </a:solidFill>
-                <a:effectLst/>
-                <a:latin typeface="Consolas" panose="020B0609020204030204" pitchFamily="49" charset="0"/>
-              </a:rPr>
-              <a:t> </a:t>
-            </a:r>
-            <a:r>
-              <a:rPr lang="en-US" altLang="ko-KR" sz="1200" b="0" dirty="0">
-                <a:solidFill>
-                  <a:srgbClr val="569CD6"/>
-                </a:solidFill>
-                <a:effectLst/>
-                <a:latin typeface="Consolas" panose="020B0609020204030204" pitchFamily="49" charset="0"/>
-              </a:rPr>
-              <a:t>style</a:t>
-            </a:r>
-            <a:r>
-              <a:rPr lang="en-US" altLang="ko-KR" sz="1200" b="0" dirty="0">
-                <a:solidFill>
-                  <a:srgbClr val="D4D4D4"/>
-                </a:solidFill>
-                <a:effectLst/>
-                <a:latin typeface="Consolas" panose="020B0609020204030204" pitchFamily="49" charset="0"/>
-              </a:rPr>
-              <a:t>=</a:t>
-            </a:r>
-            <a:r>
-              <a:rPr lang="en-US" altLang="ko-KR" sz="1200" b="0" dirty="0">
-                <a:solidFill>
-                  <a:srgbClr val="CE9178"/>
-                </a:solidFill>
-                <a:effectLst/>
-                <a:latin typeface="Consolas" panose="020B0609020204030204" pitchFamily="49" charset="0"/>
-              </a:rPr>
-              <a:t>"border-radius: 30px; width: 50px; height: 50px;"</a:t>
-            </a:r>
-            <a:r>
-              <a:rPr lang="en-US" altLang="ko-KR" sz="1200" b="0" dirty="0">
-                <a:solidFill>
-                  <a:srgbClr val="D4D4D4"/>
-                </a:solidFill>
-                <a:effectLst/>
-                <a:latin typeface="Consolas" panose="020B0609020204030204" pitchFamily="49" charset="0"/>
-              </a:rPr>
-              <a:t>&gt;</a:t>
-            </a:r>
-          </a:p>
-          <a:p>
-            <a:r>
-              <a:rPr lang="en-US" altLang="ko-KR" sz="1200" b="0" dirty="0">
-                <a:solidFill>
-                  <a:srgbClr val="D4D4D4"/>
-                </a:solidFill>
-                <a:effectLst/>
-                <a:latin typeface="Consolas" panose="020B0609020204030204" pitchFamily="49" charset="0"/>
-              </a:rPr>
               <a:t>                      &lt;div&gt;</a:t>
-            </a:r>
-            <a:r>
-              <a:rPr lang="ko-KR" altLang="en-US" sz="1200" b="0" dirty="0" err="1">
-                <a:solidFill>
-                  <a:srgbClr val="D4D4D4"/>
-                </a:solidFill>
-                <a:effectLst/>
-                <a:latin typeface="Consolas" panose="020B0609020204030204" pitchFamily="49" charset="0"/>
-              </a:rPr>
-              <a:t>곰돌이푸</a:t>
-            </a:r>
-            <a:r>
-              <a:rPr lang="en-US" altLang="ko-KR" sz="1200" b="0" dirty="0">
-                <a:solidFill>
-                  <a:srgbClr val="D4D4D4"/>
-                </a:solidFill>
-                <a:effectLst/>
-                <a:latin typeface="Consolas" panose="020B0609020204030204" pitchFamily="49" charset="0"/>
-              </a:rPr>
-              <a:t>&lt;/div&gt;</a:t>
-            </a:r>
-          </a:p>
-          <a:p>
-            <a:r>
-              <a:rPr lang="en-US" altLang="ko-KR" sz="1200" b="0" dirty="0">
-                <a:solidFill>
-                  <a:srgbClr val="D4D4D4"/>
-                </a:solidFill>
-                <a:effectLst/>
-                <a:latin typeface="Consolas" panose="020B0609020204030204" pitchFamily="49" charset="0"/>
-              </a:rPr>
-              <a:t>                  &lt;/div&gt;</a:t>
-            </a:r>
-          </a:p>
-          <a:p>
-            <a:r>
-              <a:rPr lang="en-US" altLang="ko-KR" sz="1200" b="0" dirty="0">
-                <a:solidFill>
-                  <a:srgbClr val="D4D4D4"/>
-                </a:solidFill>
-                <a:effectLst/>
-                <a:latin typeface="Consolas" panose="020B0609020204030204" pitchFamily="49" charset="0"/>
-              </a:rPr>
-              <a:t>                  &lt;div </a:t>
-            </a:r>
-            <a:r>
-              <a:rPr lang="en-US" altLang="ko-KR" sz="1200" b="0" dirty="0">
-                <a:solidFill>
-                  <a:srgbClr val="569CD6"/>
-                </a:solidFill>
-                <a:effectLst/>
-                <a:latin typeface="Consolas" panose="020B0609020204030204" pitchFamily="49" charset="0"/>
-              </a:rPr>
-              <a:t>class</a:t>
-            </a:r>
-            <a:r>
-              <a:rPr lang="en-US" altLang="ko-KR" sz="1200" b="0" dirty="0">
-                <a:solidFill>
-                  <a:srgbClr val="D4D4D4"/>
-                </a:solidFill>
-                <a:effectLst/>
-                <a:latin typeface="Consolas" panose="020B0609020204030204" pitchFamily="49" charset="0"/>
-              </a:rPr>
-              <a:t>=</a:t>
-            </a:r>
-            <a:r>
-              <a:rPr lang="en-US" altLang="ko-KR" sz="1200" b="0" dirty="0">
-                <a:solidFill>
-                  <a:srgbClr val="CE9178"/>
-                </a:solidFill>
-                <a:effectLst/>
-                <a:latin typeface="Consolas" panose="020B0609020204030204" pitchFamily="49" charset="0"/>
-              </a:rPr>
-              <a:t>"review"</a:t>
-            </a:r>
-            <a:r>
-              <a:rPr lang="en-US" altLang="ko-KR" sz="1200" b="0" dirty="0">
-                <a:solidFill>
-                  <a:srgbClr val="D4D4D4"/>
-                </a:solidFill>
-                <a:effectLst/>
-                <a:latin typeface="Consolas" panose="020B0609020204030204" pitchFamily="49" charset="0"/>
-              </a:rPr>
-              <a:t>&gt;</a:t>
-            </a:r>
-          </a:p>
-          <a:p>
-            <a:r>
-              <a:rPr lang="en-US" altLang="ko-KR" sz="1200" b="0" dirty="0">
-                <a:solidFill>
-                  <a:srgbClr val="D4D4D4"/>
-                </a:solidFill>
-                <a:effectLst/>
-                <a:latin typeface="Consolas" panose="020B0609020204030204" pitchFamily="49" charset="0"/>
-              </a:rPr>
-              <a:t>				  </a:t>
-            </a:r>
-            <a:r>
-              <a:rPr lang="ko-KR" altLang="en-US" sz="1200" b="0" dirty="0">
-                <a:solidFill>
-                  <a:srgbClr val="D4D4D4"/>
-                </a:solidFill>
-                <a:effectLst/>
-                <a:latin typeface="Consolas" panose="020B0609020204030204" pitchFamily="49" charset="0"/>
-              </a:rPr>
-              <a:t>미국에 </a:t>
-            </a:r>
-            <a:r>
-              <a:rPr lang="ko-KR" altLang="en-US" sz="1200" b="0" dirty="0" err="1">
-                <a:solidFill>
-                  <a:srgbClr val="D4D4D4"/>
-                </a:solidFill>
-                <a:effectLst/>
-                <a:latin typeface="Consolas" panose="020B0609020204030204" pitchFamily="49" charset="0"/>
-              </a:rPr>
-              <a:t>살고있는데</a:t>
-            </a:r>
-            <a:r>
-              <a:rPr lang="en-US" altLang="ko-KR" sz="1200" b="0" dirty="0">
-                <a:solidFill>
-                  <a:srgbClr val="D4D4D4"/>
-                </a:solidFill>
-                <a:effectLst/>
-                <a:latin typeface="Consolas" panose="020B0609020204030204" pitchFamily="49" charset="0"/>
-              </a:rPr>
-              <a:t>...</a:t>
-            </a:r>
-          </a:p>
-          <a:p>
-            <a:r>
-              <a:rPr lang="ko-KR" altLang="en-US" sz="1200" b="0" dirty="0">
-                <a:solidFill>
-                  <a:srgbClr val="D4D4D4"/>
-                </a:solidFill>
-                <a:effectLst/>
-                <a:latin typeface="Consolas" panose="020B0609020204030204" pitchFamily="49" charset="0"/>
-              </a:rPr>
-              <a:t>                  </a:t>
-            </a:r>
-            <a:r>
-              <a:rPr lang="en-US" altLang="ko-KR" sz="1200" b="0" dirty="0">
-                <a:solidFill>
-                  <a:srgbClr val="D4D4D4"/>
-                </a:solidFill>
-                <a:effectLst/>
-                <a:latin typeface="Consolas" panose="020B0609020204030204" pitchFamily="49" charset="0"/>
-              </a:rPr>
-              <a:t>&lt;/div&gt;</a:t>
-            </a:r>
-          </a:p>
-          <a:p>
-            <a:r>
-              <a:rPr lang="en-US" altLang="ko-KR" sz="1200" b="0" dirty="0">
-                <a:solidFill>
-                  <a:srgbClr val="D4D4D4"/>
-                </a:solidFill>
-                <a:effectLst/>
-                <a:latin typeface="Consolas" panose="020B0609020204030204" pitchFamily="49" charset="0"/>
-              </a:rPr>
-              <a:t>              &lt;/div&gt;</a:t>
-            </a:r>
-          </a:p>
-          <a:p>
-            <a:r>
-              <a:rPr lang="en-US" altLang="ko-KR" sz="1200" b="0" dirty="0">
-                <a:solidFill>
-                  <a:srgbClr val="D4D4D4"/>
-                </a:solidFill>
-                <a:effectLst/>
-                <a:latin typeface="Consolas" panose="020B0609020204030204" pitchFamily="49" charset="0"/>
-              </a:rPr>
-              <a:t>          &lt;/li&gt;</a:t>
-            </a:r>
-          </a:p>
-          <a:p>
-            <a:r>
-              <a:rPr lang="en-US" altLang="ko-KR" sz="1200" b="0" dirty="0">
-                <a:solidFill>
-                  <a:srgbClr val="D4D4D4"/>
-                </a:solidFill>
-                <a:effectLst/>
-                <a:latin typeface="Consolas" panose="020B0609020204030204" pitchFamily="49" charset="0"/>
-              </a:rPr>
-              <a:t>          &lt;li </a:t>
-            </a:r>
-            <a:r>
-              <a:rPr lang="en-US" altLang="ko-KR" sz="1200" b="0" dirty="0">
-                <a:solidFill>
-                  <a:srgbClr val="569CD6"/>
-                </a:solidFill>
-                <a:effectLst/>
-                <a:latin typeface="Consolas" panose="020B0609020204030204" pitchFamily="49" charset="0"/>
-              </a:rPr>
-              <a:t>class</a:t>
-            </a:r>
-            <a:r>
-              <a:rPr lang="ko-KR" altLang="en-US" sz="1200" b="0" dirty="0">
-                <a:solidFill>
-                  <a:srgbClr val="D4D4D4"/>
-                </a:solidFill>
-                <a:effectLst/>
-                <a:latin typeface="Consolas" panose="020B0609020204030204" pitchFamily="49" charset="0"/>
-              </a:rPr>
-              <a:t> </a:t>
-            </a:r>
-            <a:r>
-              <a:rPr lang="en-US" altLang="ko-KR" sz="1200" b="0" dirty="0">
-                <a:solidFill>
-                  <a:srgbClr val="D4D4D4"/>
-                </a:solidFill>
-                <a:effectLst/>
-                <a:latin typeface="Consolas" panose="020B0609020204030204" pitchFamily="49" charset="0"/>
-              </a:rPr>
-              <a:t>= </a:t>
-            </a:r>
-            <a:r>
-              <a:rPr lang="en-US" altLang="ko-KR" sz="1200" b="0" dirty="0">
-                <a:solidFill>
-                  <a:srgbClr val="CE9178"/>
-                </a:solidFill>
-                <a:effectLst/>
-                <a:latin typeface="Consolas" panose="020B0609020204030204" pitchFamily="49" charset="0"/>
-              </a:rPr>
-              <a:t>"review-li"</a:t>
-            </a:r>
-            <a:r>
-              <a:rPr lang="en-US" altLang="ko-KR" sz="1200" b="0" dirty="0">
-                <a:solidFill>
-                  <a:srgbClr val="D4D4D4"/>
-                </a:solidFill>
-                <a:effectLst/>
-                <a:latin typeface="Consolas" panose="020B0609020204030204" pitchFamily="49" charset="0"/>
-              </a:rPr>
-              <a:t>&gt;</a:t>
-            </a:r>
-          </a:p>
-          <a:p>
-            <a:r>
-              <a:rPr lang="en-US" altLang="ko-KR" sz="1200" b="0" dirty="0">
-                <a:solidFill>
-                  <a:srgbClr val="D4D4D4"/>
-                </a:solidFill>
-                <a:effectLst/>
-                <a:latin typeface="Consolas" panose="020B0609020204030204" pitchFamily="49" charset="0"/>
-              </a:rPr>
-              <a:t>              &lt;div </a:t>
-            </a:r>
-            <a:r>
-              <a:rPr lang="en-US" altLang="ko-KR" sz="1200" b="0" dirty="0">
-                <a:solidFill>
-                  <a:srgbClr val="569CD6"/>
-                </a:solidFill>
-                <a:effectLst/>
-                <a:latin typeface="Consolas" panose="020B0609020204030204" pitchFamily="49" charset="0"/>
-              </a:rPr>
-              <a:t>class</a:t>
-            </a:r>
-            <a:r>
-              <a:rPr lang="ko-KR" altLang="en-US" sz="1200" b="0" dirty="0">
-                <a:solidFill>
-                  <a:srgbClr val="D4D4D4"/>
-                </a:solidFill>
-                <a:effectLst/>
-                <a:latin typeface="Consolas" panose="020B0609020204030204" pitchFamily="49" charset="0"/>
-              </a:rPr>
-              <a:t> </a:t>
-            </a:r>
-            <a:r>
-              <a:rPr lang="en-US" altLang="ko-KR" sz="1200" b="0" dirty="0">
-                <a:solidFill>
-                  <a:srgbClr val="D4D4D4"/>
-                </a:solidFill>
-                <a:effectLst/>
-                <a:latin typeface="Consolas" panose="020B0609020204030204" pitchFamily="49" charset="0"/>
-              </a:rPr>
-              <a:t>= </a:t>
-            </a:r>
-            <a:r>
-              <a:rPr lang="en-US" altLang="ko-KR" sz="1200" b="0" dirty="0">
-                <a:solidFill>
-                  <a:srgbClr val="CE9178"/>
-                </a:solidFill>
-                <a:effectLst/>
-                <a:latin typeface="Consolas" panose="020B0609020204030204" pitchFamily="49" charset="0"/>
-              </a:rPr>
-              <a:t>"review-box"</a:t>
-            </a:r>
-            <a:r>
-              <a:rPr lang="en-US" altLang="ko-KR" sz="1200" b="0" dirty="0">
-                <a:solidFill>
-                  <a:srgbClr val="D4D4D4"/>
-                </a:solidFill>
-                <a:effectLst/>
-                <a:latin typeface="Consolas" panose="020B0609020204030204" pitchFamily="49" charset="0"/>
-              </a:rPr>
-              <a:t>&gt;</a:t>
-            </a:r>
-          </a:p>
-          <a:p>
-            <a:r>
-              <a:rPr lang="en-US" altLang="ko-KR" sz="1200" b="0" dirty="0">
-                <a:solidFill>
-                  <a:srgbClr val="D4D4D4"/>
-                </a:solidFill>
-                <a:effectLst/>
-                <a:latin typeface="Consolas" panose="020B0609020204030204" pitchFamily="49" charset="0"/>
-              </a:rPr>
-              <a:t>                  &lt;div </a:t>
-            </a:r>
-            <a:r>
-              <a:rPr lang="en-US" altLang="ko-KR" sz="1200" b="0" dirty="0">
-                <a:solidFill>
-                  <a:srgbClr val="569CD6"/>
-                </a:solidFill>
-                <a:effectLst/>
-                <a:latin typeface="Consolas" panose="020B0609020204030204" pitchFamily="49" charset="0"/>
-              </a:rPr>
-              <a:t>class</a:t>
-            </a:r>
-            <a:r>
-              <a:rPr lang="en-US" altLang="ko-KR" sz="1200" b="0" dirty="0">
-                <a:solidFill>
-                  <a:srgbClr val="D4D4D4"/>
-                </a:solidFill>
-                <a:effectLst/>
-                <a:latin typeface="Consolas" panose="020B0609020204030204" pitchFamily="49" charset="0"/>
-              </a:rPr>
-              <a:t>=</a:t>
-            </a:r>
-            <a:r>
-              <a:rPr lang="en-US" altLang="ko-KR" sz="1200" b="0" dirty="0">
-                <a:solidFill>
-                  <a:srgbClr val="CE9178"/>
-                </a:solidFill>
-                <a:effectLst/>
-                <a:latin typeface="Consolas" panose="020B0609020204030204" pitchFamily="49" charset="0"/>
-              </a:rPr>
-              <a:t>"user"</a:t>
-            </a:r>
-            <a:r>
-              <a:rPr lang="en-US" altLang="ko-KR" sz="1200" b="0" dirty="0">
-                <a:solidFill>
-                  <a:srgbClr val="D4D4D4"/>
-                </a:solidFill>
-                <a:effectLst/>
-                <a:latin typeface="Consolas" panose="020B0609020204030204" pitchFamily="49" charset="0"/>
-              </a:rPr>
-              <a:t>&gt;</a:t>
-            </a:r>
-          </a:p>
-          <a:p>
-            <a:r>
-              <a:rPr lang="en-US" altLang="ko-KR" sz="1200" b="0" dirty="0">
-                <a:solidFill>
-                  <a:srgbClr val="D4D4D4"/>
-                </a:solidFill>
-                <a:effectLst/>
-                <a:latin typeface="Consolas" panose="020B0609020204030204" pitchFamily="49" charset="0"/>
-              </a:rPr>
-              <a:t>                      &lt;</a:t>
-            </a:r>
-            <a:r>
-              <a:rPr lang="en-US" altLang="ko-KR" sz="1200" b="0" dirty="0" err="1">
-                <a:solidFill>
-                  <a:srgbClr val="D4D4D4"/>
-                </a:solidFill>
-                <a:effectLst/>
-                <a:latin typeface="Consolas" panose="020B0609020204030204" pitchFamily="49" charset="0"/>
-              </a:rPr>
-              <a:t>img</a:t>
-            </a:r>
-            <a:r>
-              <a:rPr lang="en-US" altLang="ko-KR" sz="1200" b="0" dirty="0">
-                <a:solidFill>
-                  <a:srgbClr val="D4D4D4"/>
-                </a:solidFill>
-                <a:effectLst/>
-                <a:latin typeface="Consolas" panose="020B0609020204030204" pitchFamily="49" charset="0"/>
-              </a:rPr>
-              <a:t> </a:t>
-            </a:r>
-            <a:r>
-              <a:rPr lang="en-US" altLang="ko-KR" sz="1200" b="0" dirty="0" err="1">
-                <a:solidFill>
-                  <a:srgbClr val="569CD6"/>
-                </a:solidFill>
-                <a:effectLst/>
-                <a:latin typeface="Consolas" panose="020B0609020204030204" pitchFamily="49" charset="0"/>
-              </a:rPr>
-              <a:t>src</a:t>
-            </a:r>
-            <a:r>
-              <a:rPr lang="en-US" altLang="ko-KR" sz="1200" b="0" dirty="0">
-                <a:solidFill>
-                  <a:srgbClr val="D4D4D4"/>
-                </a:solidFill>
-                <a:effectLst/>
-                <a:latin typeface="Consolas" panose="020B0609020204030204" pitchFamily="49" charset="0"/>
-              </a:rPr>
-              <a:t>=</a:t>
-            </a:r>
-            <a:r>
-              <a:rPr lang="en-US" altLang="ko-KR" sz="1200" b="0" dirty="0">
-                <a:solidFill>
-                  <a:srgbClr val="CE9178"/>
-                </a:solidFill>
-                <a:effectLst/>
-                <a:latin typeface="Consolas" panose="020B0609020204030204" pitchFamily="49" charset="0"/>
-              </a:rPr>
-              <a:t>"./</a:t>
-            </a:r>
-            <a:r>
-              <a:rPr lang="en-US" altLang="ko-KR" sz="1200" b="0" dirty="0" err="1">
-                <a:solidFill>
-                  <a:srgbClr val="CE9178"/>
-                </a:solidFill>
-                <a:effectLst/>
-                <a:latin typeface="Consolas" panose="020B0609020204030204" pitchFamily="49" charset="0"/>
-              </a:rPr>
-              <a:t>image_detail</a:t>
-            </a:r>
-            <a:r>
-              <a:rPr lang="en-US" altLang="ko-KR" sz="1200" b="0" dirty="0">
-                <a:solidFill>
-                  <a:srgbClr val="CE9178"/>
-                </a:solidFill>
-                <a:effectLst/>
-                <a:latin typeface="Consolas" panose="020B0609020204030204" pitchFamily="49" charset="0"/>
-              </a:rPr>
-              <a:t>/</a:t>
-            </a:r>
-            <a:r>
-              <a:rPr lang="ko-KR" altLang="en-US" sz="1200" b="0" dirty="0">
-                <a:solidFill>
-                  <a:srgbClr val="CE9178"/>
-                </a:solidFill>
-                <a:effectLst/>
-                <a:latin typeface="Consolas" panose="020B0609020204030204" pitchFamily="49" charset="0"/>
-              </a:rPr>
-              <a:t>프로필</a:t>
-            </a:r>
-            <a:r>
-              <a:rPr lang="en-US" altLang="ko-KR" sz="1200" b="0" dirty="0">
-                <a:solidFill>
-                  <a:srgbClr val="CE9178"/>
-                </a:solidFill>
-                <a:effectLst/>
-                <a:latin typeface="Consolas" panose="020B0609020204030204" pitchFamily="49" charset="0"/>
-              </a:rPr>
-              <a:t>.jpg"</a:t>
-            </a:r>
-            <a:r>
-              <a:rPr lang="ko-KR" altLang="en-US" sz="1200" b="0" dirty="0">
-                <a:solidFill>
-                  <a:srgbClr val="D4D4D4"/>
-                </a:solidFill>
-                <a:effectLst/>
-                <a:latin typeface="Consolas" panose="020B0609020204030204" pitchFamily="49" charset="0"/>
-              </a:rPr>
-              <a:t> </a:t>
-            </a:r>
-            <a:r>
-              <a:rPr lang="en-US" altLang="ko-KR" sz="1200" b="0" dirty="0">
-                <a:solidFill>
-                  <a:srgbClr val="569CD6"/>
-                </a:solidFill>
-                <a:effectLst/>
-                <a:latin typeface="Consolas" panose="020B0609020204030204" pitchFamily="49" charset="0"/>
-              </a:rPr>
-              <a:t>alt</a:t>
-            </a:r>
-            <a:r>
-              <a:rPr lang="en-US" altLang="ko-KR" sz="1200" b="0" dirty="0">
-                <a:solidFill>
-                  <a:srgbClr val="D4D4D4"/>
-                </a:solidFill>
-                <a:effectLst/>
-                <a:latin typeface="Consolas" panose="020B0609020204030204" pitchFamily="49" charset="0"/>
-              </a:rPr>
-              <a:t>=</a:t>
-            </a:r>
-            <a:r>
-              <a:rPr lang="en-US" altLang="ko-KR" sz="1200" b="0" dirty="0">
-                <a:solidFill>
-                  <a:srgbClr val="CE9178"/>
-                </a:solidFill>
-                <a:effectLst/>
-                <a:latin typeface="Consolas" panose="020B0609020204030204" pitchFamily="49" charset="0"/>
-              </a:rPr>
-              <a:t>""</a:t>
-            </a:r>
-            <a:r>
-              <a:rPr lang="ko-KR" altLang="en-US" sz="1200" b="0" dirty="0">
-                <a:solidFill>
-                  <a:srgbClr val="D4D4D4"/>
-                </a:solidFill>
-                <a:effectLst/>
-                <a:latin typeface="Consolas" panose="020B0609020204030204" pitchFamily="49" charset="0"/>
-              </a:rPr>
-              <a:t> </a:t>
-            </a:r>
-            <a:r>
-              <a:rPr lang="en-US" altLang="ko-KR" sz="1200" b="0" dirty="0">
-                <a:solidFill>
-                  <a:srgbClr val="569CD6"/>
-                </a:solidFill>
-                <a:effectLst/>
-                <a:latin typeface="Consolas" panose="020B0609020204030204" pitchFamily="49" charset="0"/>
-              </a:rPr>
-              <a:t>class</a:t>
-            </a:r>
-            <a:r>
-              <a:rPr lang="ko-KR" altLang="en-US" sz="1200" b="0" dirty="0">
-                <a:solidFill>
-                  <a:srgbClr val="D4D4D4"/>
-                </a:solidFill>
-                <a:effectLst/>
-                <a:latin typeface="Consolas" panose="020B0609020204030204" pitchFamily="49" charset="0"/>
-              </a:rPr>
-              <a:t> </a:t>
-            </a:r>
-            <a:r>
-              <a:rPr lang="en-US" altLang="ko-KR" sz="1200" b="0" dirty="0">
-                <a:solidFill>
-                  <a:srgbClr val="D4D4D4"/>
-                </a:solidFill>
-                <a:effectLst/>
-                <a:latin typeface="Consolas" panose="020B0609020204030204" pitchFamily="49" charset="0"/>
-              </a:rPr>
-              <a:t>=</a:t>
-            </a:r>
-            <a:r>
-              <a:rPr lang="en-US" altLang="ko-KR" sz="1200" b="0" dirty="0">
-                <a:solidFill>
-                  <a:srgbClr val="CE9178"/>
-                </a:solidFill>
-                <a:effectLst/>
-                <a:latin typeface="Consolas" panose="020B0609020204030204" pitchFamily="49" charset="0"/>
-              </a:rPr>
-              <a:t>"profile"</a:t>
-            </a:r>
-            <a:r>
-              <a:rPr lang="ko-KR" altLang="en-US" sz="1200" b="0" dirty="0">
-                <a:solidFill>
-                  <a:srgbClr val="D4D4D4"/>
-                </a:solidFill>
-                <a:effectLst/>
-                <a:latin typeface="Consolas" panose="020B0609020204030204" pitchFamily="49" charset="0"/>
-              </a:rPr>
-              <a:t> </a:t>
-            </a:r>
-            <a:r>
-              <a:rPr lang="en-US" altLang="ko-KR" sz="1200" b="0" dirty="0">
-                <a:solidFill>
-                  <a:srgbClr val="569CD6"/>
-                </a:solidFill>
-                <a:effectLst/>
-                <a:latin typeface="Consolas" panose="020B0609020204030204" pitchFamily="49" charset="0"/>
-              </a:rPr>
-              <a:t>style</a:t>
-            </a:r>
-            <a:r>
-              <a:rPr lang="en-US" altLang="ko-KR" sz="1200" b="0" dirty="0">
-                <a:solidFill>
-                  <a:srgbClr val="D4D4D4"/>
-                </a:solidFill>
-                <a:effectLst/>
-                <a:latin typeface="Consolas" panose="020B0609020204030204" pitchFamily="49" charset="0"/>
-              </a:rPr>
-              <a:t>=</a:t>
-            </a:r>
-            <a:r>
-              <a:rPr lang="en-US" altLang="ko-KR" sz="1200" b="0" dirty="0">
-                <a:solidFill>
-                  <a:srgbClr val="CE9178"/>
-                </a:solidFill>
-                <a:effectLst/>
-                <a:latin typeface="Consolas" panose="020B0609020204030204" pitchFamily="49" charset="0"/>
-              </a:rPr>
-              <a:t>"border-radius: 30px; width: 50px; height: 50px;"</a:t>
-            </a:r>
-            <a:r>
-              <a:rPr lang="en-US" altLang="ko-KR" sz="1200" b="0" dirty="0">
-                <a:solidFill>
-                  <a:srgbClr val="D4D4D4"/>
-                </a:solidFill>
-                <a:effectLst/>
-                <a:latin typeface="Consolas" panose="020B0609020204030204" pitchFamily="49" charset="0"/>
-              </a:rPr>
-              <a:t>&gt;</a:t>
-            </a:r>
-          </a:p>
-          <a:p>
-            <a:r>
-              <a:rPr lang="en-US" altLang="ko-KR" sz="1200" b="0" dirty="0">
-                <a:solidFill>
-                  <a:srgbClr val="D4D4D4"/>
-                </a:solidFill>
-                <a:effectLst/>
-                <a:latin typeface="Consolas" panose="020B0609020204030204" pitchFamily="49" charset="0"/>
-              </a:rPr>
-              <a:t>                      &lt;div </a:t>
-            </a:r>
-            <a:r>
-              <a:rPr lang="en-US" altLang="ko-KR" sz="1200" b="0" dirty="0">
-                <a:solidFill>
-                  <a:srgbClr val="569CD6"/>
-                </a:solidFill>
-                <a:effectLst/>
-                <a:latin typeface="Consolas" panose="020B0609020204030204" pitchFamily="49" charset="0"/>
-              </a:rPr>
-              <a:t>style</a:t>
-            </a:r>
-            <a:r>
-              <a:rPr lang="en-US" altLang="ko-KR" sz="1200" b="0" dirty="0">
-                <a:solidFill>
-                  <a:srgbClr val="D4D4D4"/>
-                </a:solidFill>
-                <a:effectLst/>
-                <a:latin typeface="Consolas" panose="020B0609020204030204" pitchFamily="49" charset="0"/>
-              </a:rPr>
-              <a:t>=</a:t>
-            </a:r>
-            <a:r>
-              <a:rPr lang="en-US" altLang="ko-KR" sz="1200" b="0" dirty="0">
-                <a:solidFill>
-                  <a:srgbClr val="CE9178"/>
-                </a:solidFill>
-                <a:effectLst/>
-                <a:latin typeface="Consolas" panose="020B0609020204030204" pitchFamily="49" charset="0"/>
-              </a:rPr>
-              <a:t>"float: left;"</a:t>
-            </a:r>
-            <a:r>
-              <a:rPr lang="en-US" altLang="ko-KR" sz="1200" b="0" dirty="0">
-                <a:solidFill>
-                  <a:srgbClr val="D4D4D4"/>
-                </a:solidFill>
-                <a:effectLst/>
-                <a:latin typeface="Consolas" panose="020B0609020204030204" pitchFamily="49" charset="0"/>
-              </a:rPr>
-              <a:t>&gt;</a:t>
             </a:r>
             <a:r>
               <a:rPr lang="ko-KR" altLang="en-US" sz="1200" b="0" dirty="0" err="1">
